--- a/TermProject/Term기획최종.pptx
+++ b/TermProject/Term기획최종.pptx
@@ -256,7 +256,7 @@
                 </a:solidFill>
               </a:rPr>
               <a:pPr/>
-              <a:t>2022-05-15</a:t>
+              <a:t>2022-05-16</a:t>
             </a:fld>
             <a:endParaRPr lang="ko-KR" altLang="en-US">
               <a:solidFill>
@@ -456,7 +456,7 @@
                 </a:solidFill>
               </a:rPr>
               <a:pPr/>
-              <a:t>2022-05-15</a:t>
+              <a:t>2022-05-16</a:t>
             </a:fld>
             <a:endParaRPr lang="ko-KR" altLang="en-US">
               <a:solidFill>
@@ -666,7 +666,7 @@
                 </a:solidFill>
               </a:rPr>
               <a:pPr/>
-              <a:t>2022-05-15</a:t>
+              <a:t>2022-05-16</a:t>
             </a:fld>
             <a:endParaRPr lang="ko-KR" altLang="en-US">
               <a:solidFill>
@@ -866,7 +866,7 @@
                 </a:solidFill>
               </a:rPr>
               <a:pPr/>
-              <a:t>2022-05-15</a:t>
+              <a:t>2022-05-16</a:t>
             </a:fld>
             <a:endParaRPr lang="ko-KR" altLang="en-US">
               <a:solidFill>
@@ -1143,7 +1143,7 @@
                 </a:solidFill>
               </a:rPr>
               <a:pPr/>
-              <a:t>2022-05-15</a:t>
+              <a:t>2022-05-16</a:t>
             </a:fld>
             <a:endParaRPr lang="ko-KR" altLang="en-US">
               <a:solidFill>
@@ -1404,7 +1404,7 @@
                 </a:solidFill>
               </a:rPr>
               <a:pPr/>
-              <a:t>2022-05-15</a:t>
+              <a:t>2022-05-16</a:t>
             </a:fld>
             <a:endParaRPr lang="ko-KR" altLang="en-US">
               <a:solidFill>
@@ -1800,7 +1800,7 @@
                 </a:solidFill>
               </a:rPr>
               <a:pPr/>
-              <a:t>2022-05-15</a:t>
+              <a:t>2022-05-16</a:t>
             </a:fld>
             <a:endParaRPr lang="ko-KR" altLang="en-US">
               <a:solidFill>
@@ -1949,7 +1949,7 @@
                 </a:solidFill>
               </a:rPr>
               <a:pPr/>
-              <a:t>2022-05-15</a:t>
+              <a:t>2022-05-16</a:t>
             </a:fld>
             <a:endParaRPr lang="ko-KR" altLang="en-US">
               <a:solidFill>
@@ -2076,7 +2076,7 @@
                 </a:solidFill>
               </a:rPr>
               <a:pPr/>
-              <a:t>2022-05-15</a:t>
+              <a:t>2022-05-16</a:t>
             </a:fld>
             <a:endParaRPr lang="ko-KR" altLang="en-US">
               <a:solidFill>
@@ -2383,7 +2383,7 @@
                 </a:solidFill>
               </a:rPr>
               <a:pPr/>
-              <a:t>2022-05-15</a:t>
+              <a:t>2022-05-16</a:t>
             </a:fld>
             <a:endParaRPr lang="ko-KR" altLang="en-US">
               <a:solidFill>
@@ -2667,7 +2667,7 @@
                 </a:solidFill>
               </a:rPr>
               <a:pPr/>
-              <a:t>2022-05-15</a:t>
+              <a:t>2022-05-16</a:t>
             </a:fld>
             <a:endParaRPr lang="ko-KR" altLang="en-US">
               <a:solidFill>
@@ -2910,7 +2910,7 @@
                 </a:solidFill>
               </a:rPr>
               <a:pPr/>
-              <a:t>2022-05-15</a:t>
+              <a:t>2022-05-16</a:t>
             </a:fld>
             <a:endParaRPr lang="ko-KR" altLang="en-US">
               <a:solidFill>
@@ -14032,6 +14032,20 @@
               <a:defRPr lang="ko-KR" altLang="en-US"/>
             </a:pPr>
             <a:r>
+              <a:rPr lang="en-US" altLang="ko-KR" sz="2800" dirty="0">
+                <a:solidFill>
+                  <a:schemeClr val="tx1">
+                    <a:lumMod val="75000"/>
+                    <a:lumOff val="25000"/>
+                  </a:schemeClr>
+                </a:solidFill>
+                <a:latin typeface="210 골목길 L" panose="02020603020101020101" pitchFamily="18" charset="-127"/>
+                <a:ea typeface="210 골목길 L" panose="02020603020101020101" pitchFamily="18" charset="-127"/>
+                <a:cs typeface="Noto Sans SemBd"/>
+              </a:rPr>
+              <a:t> </a:t>
+            </a:r>
+            <a:r>
               <a:rPr lang="ko-KR" altLang="en-US" sz="2800" dirty="0">
                 <a:solidFill>
                   <a:schemeClr val="tx1">
@@ -14141,8 +14155,47 @@
                 <a:ea typeface="210 골목길 L" panose="02020603020101020101" pitchFamily="18" charset="-127"/>
                 <a:cs typeface="Noto Sans SemBd"/>
               </a:rPr>
-              <a:t> 연동</a:t>
+              <a:t> 연동 및 배포</a:t>
             </a:r>
+            <a:r>
+              <a:rPr lang="en-US" altLang="ko-KR" sz="2800" dirty="0">
+                <a:solidFill>
+                  <a:schemeClr val="tx1">
+                    <a:lumMod val="75000"/>
+                    <a:lumOff val="25000"/>
+                  </a:schemeClr>
+                </a:solidFill>
+                <a:latin typeface="210 골목길 L" panose="02020603020101020101" pitchFamily="18" charset="-127"/>
+                <a:ea typeface="210 골목길 L" panose="02020603020101020101" pitchFamily="18" charset="-127"/>
+                <a:cs typeface="Noto Sans SemBd"/>
+              </a:rPr>
+              <a:t>, </a:t>
+            </a:r>
+            <a:r>
+              <a:rPr lang="ko-KR" altLang="en-US" sz="2800" dirty="0" err="1">
+                <a:solidFill>
+                  <a:schemeClr val="tx1">
+                    <a:lumMod val="75000"/>
+                    <a:lumOff val="25000"/>
+                  </a:schemeClr>
+                </a:solidFill>
+                <a:latin typeface="210 골목길 L" panose="02020603020101020101" pitchFamily="18" charset="-127"/>
+                <a:ea typeface="210 골목길 L" panose="02020603020101020101" pitchFamily="18" charset="-127"/>
+                <a:cs typeface="Noto Sans SemBd"/>
+              </a:rPr>
+              <a:t>텔레그램</a:t>
+            </a:r>
+            <a:endParaRPr lang="ko-KR" altLang="en-US" sz="2800" dirty="0">
+              <a:solidFill>
+                <a:schemeClr val="tx1">
+                  <a:lumMod val="75000"/>
+                  <a:lumOff val="25000"/>
+                </a:schemeClr>
+              </a:solidFill>
+              <a:latin typeface="210 골목길 L" panose="02020603020101020101" pitchFamily="18" charset="-127"/>
+              <a:ea typeface="210 골목길 L" panose="02020603020101020101" pitchFamily="18" charset="-127"/>
+              <a:cs typeface="Noto Sans SemBd"/>
+            </a:endParaRPr>
           </a:p>
         </p:txBody>
       </p:sp>
@@ -14489,7 +14542,7 @@
         </p:blipFill>
         <p:spPr>
           <a:xfrm rot="20821158">
-            <a:off x="10076353" y="4886988"/>
+            <a:off x="10307059" y="4936363"/>
             <a:ext cx="1747516" cy="1422400"/>
           </a:xfrm>
           <a:prstGeom prst="rect">
@@ -14937,7 +14990,7 @@
     <mc:Choice Requires="p14">
       <p:transition/>
     </mc:Choice>
-    <mc:Fallback xmlns:dsp="http://schemas.microsoft.com/office/drawing/2008/diagram" xmlns:dgm="http://schemas.openxmlformats.org/drawingml/2006/diagram" xmlns:c="http://schemas.openxmlformats.org/drawingml/2006/chart" xmlns="">
+    <mc:Fallback xmlns="" xmlns:c="http://schemas.openxmlformats.org/drawingml/2006/chart" xmlns:dgm="http://schemas.openxmlformats.org/drawingml/2006/diagram" xmlns:dsp="http://schemas.microsoft.com/office/drawing/2008/diagram">
       <p:transition/>
     </mc:Fallback>
   </mc:AlternateContent>

--- a/TermProject/Term기획최종.pptx
+++ b/TermProject/Term기획최종.pptx
@@ -256,7 +256,7 @@
                 </a:solidFill>
               </a:rPr>
               <a:pPr/>
-              <a:t>2022-05-16</a:t>
+              <a:t>2022-05-21</a:t>
             </a:fld>
             <a:endParaRPr lang="ko-KR" altLang="en-US">
               <a:solidFill>
@@ -456,7 +456,7 @@
                 </a:solidFill>
               </a:rPr>
               <a:pPr/>
-              <a:t>2022-05-16</a:t>
+              <a:t>2022-05-21</a:t>
             </a:fld>
             <a:endParaRPr lang="ko-KR" altLang="en-US">
               <a:solidFill>
@@ -666,7 +666,7 @@
                 </a:solidFill>
               </a:rPr>
               <a:pPr/>
-              <a:t>2022-05-16</a:t>
+              <a:t>2022-05-21</a:t>
             </a:fld>
             <a:endParaRPr lang="ko-KR" altLang="en-US">
               <a:solidFill>
@@ -866,7 +866,7 @@
                 </a:solidFill>
               </a:rPr>
               <a:pPr/>
-              <a:t>2022-05-16</a:t>
+              <a:t>2022-05-21</a:t>
             </a:fld>
             <a:endParaRPr lang="ko-KR" altLang="en-US">
               <a:solidFill>
@@ -1143,7 +1143,7 @@
                 </a:solidFill>
               </a:rPr>
               <a:pPr/>
-              <a:t>2022-05-16</a:t>
+              <a:t>2022-05-21</a:t>
             </a:fld>
             <a:endParaRPr lang="ko-KR" altLang="en-US">
               <a:solidFill>
@@ -1404,7 +1404,7 @@
                 </a:solidFill>
               </a:rPr>
               <a:pPr/>
-              <a:t>2022-05-16</a:t>
+              <a:t>2022-05-21</a:t>
             </a:fld>
             <a:endParaRPr lang="ko-KR" altLang="en-US">
               <a:solidFill>
@@ -1800,7 +1800,7 @@
                 </a:solidFill>
               </a:rPr>
               <a:pPr/>
-              <a:t>2022-05-16</a:t>
+              <a:t>2022-05-21</a:t>
             </a:fld>
             <a:endParaRPr lang="ko-KR" altLang="en-US">
               <a:solidFill>
@@ -1949,7 +1949,7 @@
                 </a:solidFill>
               </a:rPr>
               <a:pPr/>
-              <a:t>2022-05-16</a:t>
+              <a:t>2022-05-21</a:t>
             </a:fld>
             <a:endParaRPr lang="ko-KR" altLang="en-US">
               <a:solidFill>
@@ -2076,7 +2076,7 @@
                 </a:solidFill>
               </a:rPr>
               <a:pPr/>
-              <a:t>2022-05-16</a:t>
+              <a:t>2022-05-21</a:t>
             </a:fld>
             <a:endParaRPr lang="ko-KR" altLang="en-US">
               <a:solidFill>
@@ -2383,7 +2383,7 @@
                 </a:solidFill>
               </a:rPr>
               <a:pPr/>
-              <a:t>2022-05-16</a:t>
+              <a:t>2022-05-21</a:t>
             </a:fld>
             <a:endParaRPr lang="ko-KR" altLang="en-US">
               <a:solidFill>
@@ -2667,7 +2667,7 @@
                 </a:solidFill>
               </a:rPr>
               <a:pPr/>
-              <a:t>2022-05-16</a:t>
+              <a:t>2022-05-21</a:t>
             </a:fld>
             <a:endParaRPr lang="ko-KR" altLang="en-US">
               <a:solidFill>
@@ -2910,7 +2910,7 @@
                 </a:solidFill>
               </a:rPr>
               <a:pPr/>
-              <a:t>2022-05-16</a:t>
+              <a:t>2022-05-21</a:t>
             </a:fld>
             <a:endParaRPr lang="ko-KR" altLang="en-US">
               <a:solidFill>
@@ -4839,7 +4839,7 @@
         <p:spPr>
           <a:xfrm>
             <a:off x="3154976" y="3799121"/>
-            <a:ext cx="5247771" cy="1107996"/>
+            <a:ext cx="5247771" cy="1015663"/>
           </a:xfrm>
           <a:prstGeom prst="rect">
             <a:avLst/>
@@ -4853,19 +4853,6 @@
           <a:p>
             <a:pPr algn="r"/>
             <a:r>
-              <a:rPr lang="en-US" altLang="ko-KR" sz="6000" dirty="0">
-                <a:solidFill>
-                  <a:schemeClr val="tx1">
-                    <a:lumMod val="95000"/>
-                    <a:lumOff val="5000"/>
-                  </a:schemeClr>
-                </a:solidFill>
-                <a:latin typeface="Rix개봉박두 B" panose="02020603020101020101" pitchFamily="18" charset="-127"/>
-                <a:ea typeface="Rix개봉박두 B" panose="02020603020101020101" pitchFamily="18" charset="-127"/>
-              </a:rPr>
-              <a:t>10</a:t>
-            </a:r>
-            <a:r>
               <a:rPr lang="ko-KR" altLang="en-US" sz="6000" dirty="0">
                 <a:solidFill>
                   <a:schemeClr val="tx1">
@@ -4874,21 +4861,9 @@
                   </a:schemeClr>
                 </a:solidFill>
                 <a:latin typeface="Rix개봉박두 B" panose="02020603020101020101" pitchFamily="18" charset="-127"/>
-                <a:ea typeface="Rix개봉박두 B" panose="02020603020101020101" pitchFamily="18" charset="-127"/>
+                <a:ea typeface="Rix개봉박두 B" panose="02020603020101020101"/>
               </a:rPr>
-              <a:t>퍼센트 </a:t>
-            </a:r>
-            <a:r>
-              <a:rPr lang="ko-KR" altLang="en-US" sz="6600" dirty="0">
-                <a:solidFill>
-                  <a:schemeClr val="accent6">
-                    <a:lumMod val="75000"/>
-                  </a:schemeClr>
-                </a:solidFill>
-                <a:latin typeface="Rix개봉박두 B" panose="02020603020101020101" pitchFamily="18" charset="-127"/>
-                <a:ea typeface="Rix개봉박두 B" panose="02020603020101020101" pitchFamily="18" charset="-127"/>
-              </a:rPr>
-              <a:t>할인</a:t>
+              <a:t>가까운 화장실</a:t>
             </a:r>
             <a:endParaRPr lang="ko-KR" altLang="en-US" sz="5400" dirty="0">
               <a:solidFill>
@@ -4897,7 +4872,7 @@
                 </a:schemeClr>
               </a:solidFill>
               <a:latin typeface="Rix개봉박두 B" panose="02020603020101020101" pitchFamily="18" charset="-127"/>
-              <a:ea typeface="Rix개봉박두 B" panose="02020603020101020101" pitchFamily="18" charset="-127"/>
+              <a:ea typeface="Rix개봉박두 B" panose="02020603020101020101"/>
             </a:endParaRPr>
           </a:p>
         </p:txBody>
@@ -4916,8 +4891,8 @@
         </p:nvSpPr>
         <p:spPr>
           <a:xfrm rot="860419">
-            <a:off x="8586199" y="3968157"/>
-            <a:ext cx="1492716" cy="1015663"/>
+            <a:off x="8470782" y="3968157"/>
+            <a:ext cx="1723549" cy="1015663"/>
           </a:xfrm>
           <a:prstGeom prst="rect">
             <a:avLst/>
@@ -4935,7 +4910,7 @@
                 <a:latin typeface="Rix개봉박두 B" panose="02020603020101020101" pitchFamily="18" charset="-127"/>
                 <a:ea typeface="Rix개봉박두 B" panose="02020603020101020101" pitchFamily="18" charset="-127"/>
               </a:rPr>
-              <a:t>받는</a:t>
+              <a:t>찾는</a:t>
             </a:r>
           </a:p>
         </p:txBody>
@@ -4989,83 +4964,6 @@
           </a:p>
         </p:txBody>
       </p:sp>
-      <p:pic>
-        <p:nvPicPr>
-          <p:cNvPr id="52" name="Picture 4" descr="시흥화폐 시루 사용방법">
-            <a:extLst>
-              <a:ext uri="{FF2B5EF4-FFF2-40B4-BE49-F238E27FC236}">
-                <a16:creationId xmlns:a16="http://schemas.microsoft.com/office/drawing/2014/main" id="{509A89DA-D6DB-2691-72DE-333AF114A498}"/>
-              </a:ext>
-            </a:extLst>
-          </p:cNvPr>
-          <p:cNvPicPr>
-            <a:picLocks noChangeAspect="1" noChangeArrowheads="1"/>
-          </p:cNvPicPr>
-          <p:nvPr/>
-        </p:nvPicPr>
-        <p:blipFill>
-          <a:blip r:embed="rId7" cstate="print">
-            <a:extLst>
-              <a:ext uri="{28A0092B-C50C-407E-A947-70E740481C1C}">
-                <a14:useLocalDpi xmlns:a14="http://schemas.microsoft.com/office/drawing/2010/main" val="0"/>
-              </a:ext>
-            </a:extLst>
-          </a:blip>
-          <a:srcRect/>
-          <a:stretch>
-            <a:fillRect/>
-          </a:stretch>
-        </p:blipFill>
-        <p:spPr bwMode="auto">
-          <a:xfrm rot="1003287">
-            <a:off x="1753217" y="2250788"/>
-            <a:ext cx="2049972" cy="1525466"/>
-          </a:xfrm>
-          <a:prstGeom prst="rect">
-            <a:avLst/>
-          </a:prstGeom>
-          <a:noFill/>
-          <a:extLst>
-            <a:ext uri="{909E8E84-426E-40DD-AFC4-6F175D3DCCD1}">
-              <a14:hiddenFill xmlns:a14="http://schemas.microsoft.com/office/drawing/2010/main">
-                <a:solidFill>
-                  <a:srgbClr val="FFFFFF"/>
-                </a:solidFill>
-              </a14:hiddenFill>
-            </a:ext>
-          </a:extLst>
-        </p:spPr>
-      </p:pic>
-      <p:pic>
-        <p:nvPicPr>
-          <p:cNvPr id="53" name="그림 52">
-            <a:extLst>
-              <a:ext uri="{FF2B5EF4-FFF2-40B4-BE49-F238E27FC236}">
-                <a16:creationId xmlns:a16="http://schemas.microsoft.com/office/drawing/2014/main" id="{E18CBECB-E1EF-2388-139A-02B579DEAF10}"/>
-              </a:ext>
-            </a:extLst>
-          </p:cNvPr>
-          <p:cNvPicPr>
-            <a:picLocks noChangeAspect="1"/>
-          </p:cNvPicPr>
-          <p:nvPr/>
-        </p:nvPicPr>
-        <p:blipFill rotWithShape="1">
-          <a:blip r:embed="rId8"/>
-          <a:stretch>
-            <a:fillRect/>
-          </a:stretch>
-        </p:blipFill>
-        <p:spPr>
-          <a:xfrm>
-            <a:off x="5127156" y="3459497"/>
-            <a:ext cx="2220736" cy="810569"/>
-          </a:xfrm>
-          <a:prstGeom prst="rect">
-            <a:avLst/>
-          </a:prstGeom>
-        </p:spPr>
-      </p:pic>
       <p:sp>
         <p:nvSpPr>
           <p:cNvPr id="54" name="사각형: 둥근 모서리 53">
@@ -5250,6 +5148,78 @@
           </a:p>
         </p:txBody>
       </p:sp>
+      <p:pic>
+        <p:nvPicPr>
+          <p:cNvPr id="3" name="그림 2">
+            <a:extLst>
+              <a:ext uri="{FF2B5EF4-FFF2-40B4-BE49-F238E27FC236}">
+                <a16:creationId xmlns:a16="http://schemas.microsoft.com/office/drawing/2014/main" id="{3072ED1D-2AB0-ED85-660B-4957E894F06D}"/>
+              </a:ext>
+            </a:extLst>
+          </p:cNvPr>
+          <p:cNvPicPr>
+            <a:picLocks noChangeAspect="1"/>
+          </p:cNvPicPr>
+          <p:nvPr/>
+        </p:nvPicPr>
+        <p:blipFill>
+          <a:blip r:embed="rId7" cstate="print">
+            <a:extLst>
+              <a:ext uri="{28A0092B-C50C-407E-A947-70E740481C1C}">
+                <a14:useLocalDpi xmlns:a14="http://schemas.microsoft.com/office/drawing/2010/main" val="0"/>
+              </a:ext>
+            </a:extLst>
+          </a:blip>
+          <a:stretch>
+            <a:fillRect/>
+          </a:stretch>
+        </p:blipFill>
+        <p:spPr>
+          <a:xfrm rot="1430209">
+            <a:off x="1851369" y="1970217"/>
+            <a:ext cx="1755906" cy="1755906"/>
+          </a:xfrm>
+          <a:prstGeom prst="rect">
+            <a:avLst/>
+          </a:prstGeom>
+        </p:spPr>
+      </p:pic>
+      <p:pic>
+        <p:nvPicPr>
+          <p:cNvPr id="10" name="그림 9">
+            <a:extLst>
+              <a:ext uri="{FF2B5EF4-FFF2-40B4-BE49-F238E27FC236}">
+                <a16:creationId xmlns:a16="http://schemas.microsoft.com/office/drawing/2014/main" id="{570BF24E-ABE4-7634-8897-66DA57B2AB2F}"/>
+              </a:ext>
+            </a:extLst>
+          </p:cNvPr>
+          <p:cNvPicPr>
+            <a:picLocks noChangeAspect="1"/>
+          </p:cNvPicPr>
+          <p:nvPr/>
+        </p:nvPicPr>
+        <p:blipFill>
+          <a:blip r:embed="rId8" cstate="print">
+            <a:extLst>
+              <a:ext uri="{28A0092B-C50C-407E-A947-70E740481C1C}">
+                <a14:useLocalDpi xmlns:a14="http://schemas.microsoft.com/office/drawing/2010/main" val="0"/>
+              </a:ext>
+            </a:extLst>
+          </a:blip>
+          <a:stretch>
+            <a:fillRect/>
+          </a:stretch>
+        </p:blipFill>
+        <p:spPr>
+          <a:xfrm flipH="1">
+            <a:off x="9922852" y="563931"/>
+            <a:ext cx="2287533" cy="2598403"/>
+          </a:xfrm>
+          <a:prstGeom prst="rect">
+            <a:avLst/>
+          </a:prstGeom>
+        </p:spPr>
+      </p:pic>
     </p:spTree>
     <p:extLst>
       <p:ext uri="{BB962C8B-B14F-4D97-AF65-F5344CB8AC3E}">
@@ -6143,7 +6113,7 @@
           <a:p>
             <a:pPr algn="ctr"/>
             <a:r>
-              <a:rPr lang="en-US" altLang="ko-KR" sz="3600" dirty="0">
+              <a:rPr lang="en-US" altLang="ko-KR" sz="3200" dirty="0">
                 <a:solidFill>
                   <a:schemeClr val="tx1">
                     <a:lumMod val="75000"/>
@@ -6157,7 +6127,7 @@
               <a:t>1. </a:t>
             </a:r>
             <a:r>
-              <a:rPr lang="ko-KR" altLang="en-US" sz="3600" dirty="0">
+              <a:rPr lang="ko-KR" altLang="en-US" sz="3200" dirty="0">
                 <a:solidFill>
                   <a:schemeClr val="tx1">
                     <a:lumMod val="75000"/>
@@ -6170,7 +6140,7 @@
               </a:rPr>
               <a:t>프로그램 기능 소개</a:t>
             </a:r>
-            <a:endParaRPr lang="en-US" altLang="ko-KR" sz="3600" dirty="0">
+            <a:endParaRPr lang="en-US" altLang="ko-KR" sz="3200" dirty="0">
               <a:solidFill>
                 <a:schemeClr val="tx1">
                   <a:lumMod val="75000"/>
@@ -6240,7 +6210,7 @@
           <a:p>
             <a:pPr algn="ctr"/>
             <a:r>
-              <a:rPr lang="en-US" altLang="ko-KR" sz="3600" dirty="0">
+              <a:rPr lang="en-US" altLang="ko-KR" sz="3200" dirty="0">
                 <a:solidFill>
                   <a:schemeClr val="tx1">
                     <a:lumMod val="75000"/>
@@ -6254,7 +6224,7 @@
               <a:t>2. </a:t>
             </a:r>
             <a:r>
-              <a:rPr lang="ko-KR" altLang="en-US" sz="3600" dirty="0">
+              <a:rPr lang="ko-KR" altLang="en-US" sz="3200" dirty="0">
                 <a:solidFill>
                   <a:schemeClr val="tx1">
                     <a:lumMod val="75000"/>
@@ -6268,7 +6238,7 @@
               <a:t>사용할 </a:t>
             </a:r>
             <a:r>
-              <a:rPr lang="en-US" altLang="ko-KR" sz="3600" dirty="0">
+              <a:rPr lang="en-US" altLang="ko-KR" sz="3200" dirty="0">
                 <a:solidFill>
                   <a:schemeClr val="tx1">
                     <a:lumMod val="75000"/>
@@ -6340,7 +6310,7 @@
           <a:p>
             <a:pPr algn="ctr"/>
             <a:r>
-              <a:rPr lang="en-US" altLang="ko-KR" sz="3600" dirty="0">
+              <a:rPr lang="en-US" altLang="ko-KR" sz="3200" dirty="0">
                 <a:solidFill>
                   <a:schemeClr val="tx1">
                     <a:lumMod val="75000"/>
@@ -6354,7 +6324,7 @@
               <a:t>3. </a:t>
             </a:r>
             <a:r>
-              <a:rPr lang="ko-KR" altLang="en-US" sz="3600" dirty="0">
+              <a:rPr lang="ko-KR" altLang="en-US" sz="3200" dirty="0">
                 <a:solidFill>
                   <a:schemeClr val="tx1">
                     <a:lumMod val="75000"/>
@@ -6367,7 +6337,7 @@
               </a:rPr>
               <a:t>개발일정</a:t>
             </a:r>
-            <a:endParaRPr lang="en-US" altLang="ko-KR" sz="3600" dirty="0">
+            <a:endParaRPr lang="en-US" altLang="ko-KR" sz="3200" dirty="0">
               <a:solidFill>
                 <a:schemeClr val="tx1">
                   <a:lumMod val="75000"/>
@@ -6437,7 +6407,7 @@
           <a:p>
             <a:pPr algn="ctr"/>
             <a:r>
-              <a:rPr lang="en-US" altLang="ko-KR" sz="3600" dirty="0">
+              <a:rPr lang="en-US" altLang="ko-KR" sz="3200" dirty="0">
                 <a:solidFill>
                   <a:schemeClr val="tx1">
                     <a:lumMod val="75000"/>
@@ -7588,8 +7558,8 @@
         </p:nvSpPr>
         <p:spPr>
           <a:xfrm>
-            <a:off x="4836171" y="2402636"/>
-            <a:ext cx="6960637" cy="3247043"/>
+            <a:off x="4826646" y="2159210"/>
+            <a:ext cx="6960637" cy="3887026"/>
           </a:xfrm>
           <a:prstGeom prst="rect">
             <a:avLst/>
@@ -7621,7 +7591,7 @@
                 <a:ea typeface="210 골목길 L" panose="02020603020101020101" pitchFamily="18" charset="-127"/>
                 <a:cs typeface="Noto Sans SemBd" panose="020B0702040504020204" pitchFamily="34"/>
               </a:rPr>
-              <a:t>경기도지역화폐 가맹점 검색 프로그램</a:t>
+              <a:t>화장실 검색 프로그램</a:t>
             </a:r>
             <a:endParaRPr lang="en-US" altLang="ko-KR" sz="2800" dirty="0">
               <a:solidFill>
@@ -7655,7 +7625,7 @@
                 <a:ea typeface="210 골목길 L" panose="02020603020101020101" pitchFamily="18" charset="-127"/>
                 <a:cs typeface="Noto Sans SemBd" panose="020B0702040504020204" pitchFamily="34"/>
               </a:rPr>
-              <a:t>경기도 각 시군의 사용가능처 현황 안내</a:t>
+              <a:t>지역별 화장실 데이터 검색 허용</a:t>
             </a:r>
             <a:endParaRPr lang="en-US" altLang="ko-KR" sz="2800" dirty="0">
               <a:solidFill>
@@ -7689,7 +7659,67 @@
                 <a:ea typeface="210 골목길 L" panose="02020603020101020101" pitchFamily="18" charset="-127"/>
                 <a:cs typeface="Noto Sans SemBd" panose="020B0702040504020204" pitchFamily="34"/>
               </a:rPr>
-              <a:t>업종별 카테고리 검색 허용</a:t>
+              <a:t>장애인 </a:t>
+            </a:r>
+            <a:r>
+              <a:rPr lang="en-US" altLang="ko-KR" sz="2800" dirty="0">
+                <a:solidFill>
+                  <a:schemeClr val="tx1">
+                    <a:lumMod val="75000"/>
+                    <a:lumOff val="25000"/>
+                  </a:schemeClr>
+                </a:solidFill>
+                <a:latin typeface="210 골목길 L" panose="02020603020101020101" pitchFamily="18" charset="-127"/>
+                <a:ea typeface="210 골목길 L" panose="02020603020101020101" pitchFamily="18" charset="-127"/>
+                <a:cs typeface="Noto Sans SemBd" panose="020B0702040504020204" pitchFamily="34"/>
+              </a:rPr>
+              <a:t>OR </a:t>
+            </a:r>
+            <a:r>
+              <a:rPr lang="ko-KR" altLang="en-US" sz="2800" dirty="0">
+                <a:solidFill>
+                  <a:schemeClr val="tx1">
+                    <a:lumMod val="75000"/>
+                    <a:lumOff val="25000"/>
+                  </a:schemeClr>
+                </a:solidFill>
+                <a:latin typeface="210 골목길 L" panose="02020603020101020101" pitchFamily="18" charset="-127"/>
+                <a:ea typeface="210 골목길 L" panose="02020603020101020101" pitchFamily="18" charset="-127"/>
+                <a:cs typeface="Noto Sans SemBd" panose="020B0702040504020204" pitchFamily="34"/>
+              </a:rPr>
+              <a:t>어린이 변기 </a:t>
+            </a:r>
+            <a:endParaRPr lang="en-US" altLang="ko-KR" sz="2800" dirty="0">
+              <a:solidFill>
+                <a:schemeClr val="tx1">
+                  <a:lumMod val="75000"/>
+                  <a:lumOff val="25000"/>
+                </a:schemeClr>
+              </a:solidFill>
+              <a:latin typeface="210 골목길 L" panose="02020603020101020101" pitchFamily="18" charset="-127"/>
+              <a:ea typeface="210 골목길 L" panose="02020603020101020101" pitchFamily="18" charset="-127"/>
+              <a:cs typeface="Noto Sans SemBd" panose="020B0702040504020204" pitchFamily="34"/>
+            </a:endParaRPr>
+          </a:p>
+          <a:p>
+            <a:pPr>
+              <a:lnSpc>
+                <a:spcPct val="150000"/>
+              </a:lnSpc>
+            </a:pPr>
+            <a:r>
+              <a:rPr lang="ko-KR" altLang="en-US" sz="2800" dirty="0">
+                <a:solidFill>
+                  <a:schemeClr val="tx1">
+                    <a:lumMod val="75000"/>
+                    <a:lumOff val="25000"/>
+                  </a:schemeClr>
+                </a:solidFill>
+                <a:latin typeface="210 골목길 L" panose="02020603020101020101" pitchFamily="18" charset="-127"/>
+                <a:ea typeface="210 골목길 L" panose="02020603020101020101" pitchFamily="18" charset="-127"/>
+                <a:cs typeface="Noto Sans SemBd" panose="020B0702040504020204" pitchFamily="34"/>
+              </a:rPr>
+              <a:t>    유무에 따른 검색 가능</a:t>
             </a:r>
             <a:endParaRPr lang="en-US" altLang="ko-KR" sz="2800" dirty="0">
               <a:solidFill>
@@ -7723,7 +7753,7 @@
                 <a:ea typeface="210 골목길 L" panose="02020603020101020101" pitchFamily="18" charset="-127"/>
                 <a:cs typeface="Noto Sans SemBd" panose="020B0702040504020204" pitchFamily="34"/>
               </a:rPr>
-              <a:t>검색결과에 따른 위치에 대한 지도 표기</a:t>
+              <a:t>검색 위치에 따른 지도 표기</a:t>
             </a:r>
             <a:endParaRPr lang="en-US" altLang="ko-KR" sz="2800" dirty="0">
               <a:solidFill>
@@ -8629,51 +8659,6 @@
           </a:p>
         </p:txBody>
       </p:sp>
-      <p:pic>
-        <p:nvPicPr>
-          <p:cNvPr id="2052" name="Picture 4">
-            <a:extLst>
-              <a:ext uri="{FF2B5EF4-FFF2-40B4-BE49-F238E27FC236}">
-                <a16:creationId xmlns:a16="http://schemas.microsoft.com/office/drawing/2014/main" id="{1B187917-7164-5A61-E5F0-D0A6842E9684}"/>
-              </a:ext>
-            </a:extLst>
-          </p:cNvPr>
-          <p:cNvPicPr>
-            <a:picLocks noChangeAspect="1" noChangeArrowheads="1"/>
-          </p:cNvPicPr>
-          <p:nvPr/>
-        </p:nvPicPr>
-        <p:blipFill rotWithShape="1">
-          <a:blip r:embed="rId3">
-            <a:extLst>
-              <a:ext uri="{28A0092B-C50C-407E-A947-70E740481C1C}">
-                <a14:useLocalDpi xmlns:a14="http://schemas.microsoft.com/office/drawing/2010/main" val="0"/>
-              </a:ext>
-            </a:extLst>
-          </a:blip>
-          <a:srcRect r="22270" b="22348"/>
-          <a:stretch/>
-        </p:blipFill>
-        <p:spPr bwMode="auto">
-          <a:xfrm>
-            <a:off x="6096000" y="1720416"/>
-            <a:ext cx="5596873" cy="4523204"/>
-          </a:xfrm>
-          <a:prstGeom prst="rect">
-            <a:avLst/>
-          </a:prstGeom>
-          <a:noFill/>
-          <a:extLst>
-            <a:ext uri="{909E8E84-426E-40DD-AFC4-6F175D3DCCD1}">
-              <a14:hiddenFill xmlns:a14="http://schemas.microsoft.com/office/drawing/2010/main">
-                <a:solidFill>
-                  <a:srgbClr val="FFFFFF"/>
-                </a:solidFill>
-              </a14:hiddenFill>
-            </a:ext>
-          </a:extLst>
-        </p:spPr>
-      </p:pic>
       <p:sp>
         <p:nvSpPr>
           <p:cNvPr id="14" name="TextBox 13">
@@ -8688,8 +8673,8 @@
         </p:nvSpPr>
         <p:spPr>
           <a:xfrm>
-            <a:off x="494645" y="2485294"/>
-            <a:ext cx="5041061" cy="2993448"/>
+            <a:off x="196345" y="2732037"/>
+            <a:ext cx="5935184" cy="1100622"/>
           </a:xfrm>
           <a:prstGeom prst="rect">
             <a:avLst/>
@@ -8708,30 +8693,38 @@
               </a:lnSpc>
             </a:pPr>
             <a:r>
-              <a:rPr lang="ko-KR" altLang="en-US" sz="2800" dirty="0">
+              <a:rPr lang="ko-KR" altLang="en-US" sz="2800" b="1" i="0" dirty="0" err="1">
                 <a:solidFill>
-                  <a:schemeClr val="tx1">
-                    <a:lumMod val="75000"/>
-                    <a:lumOff val="25000"/>
-                  </a:schemeClr>
+                  <a:srgbClr val="333333"/>
                 </a:solidFill>
-                <a:latin typeface="210 골목길 L" panose="02020603020101020101" pitchFamily="18" charset="-127"/>
-                <a:ea typeface="210 골목길 L" panose="02020603020101020101" pitchFamily="18" charset="-127"/>
-                <a:cs typeface="Noto Sans SemBd" panose="020B0702040504020204" pitchFamily="34"/>
+                <a:effectLst/>
+                <a:latin typeface="Malgun Gothic" panose="020B0503020000020004" pitchFamily="50" charset="-127"/>
+                <a:ea typeface="Malgun Gothic" panose="020B0503020000020004" pitchFamily="50" charset="-127"/>
               </a:rPr>
-              <a:t>경기도 지역화폐 가맹점 현황</a:t>
+              <a:t>전국공중화장실표준데이터</a:t>
             </a:r>
-            <a:endParaRPr lang="en-US" altLang="ko-KR" sz="2800" dirty="0">
-              <a:solidFill>
-                <a:schemeClr val="tx1">
-                  <a:lumMod val="75000"/>
-                  <a:lumOff val="25000"/>
-                </a:schemeClr>
-              </a:solidFill>
-              <a:latin typeface="210 골목길 L" panose="02020603020101020101" pitchFamily="18" charset="-127"/>
-              <a:ea typeface="210 골목길 L" panose="02020603020101020101" pitchFamily="18" charset="-127"/>
-              <a:cs typeface="Noto Sans SemBd" panose="020B0702040504020204" pitchFamily="34"/>
-            </a:endParaRPr>
+            <a:r>
+              <a:rPr lang="ko-KR" altLang="en-US" sz="2800" b="1" i="0" dirty="0">
+                <a:solidFill>
+                  <a:srgbClr val="333333"/>
+                </a:solidFill>
+                <a:effectLst/>
+                <a:latin typeface="Malgun Gothic" panose="020B0503020000020004" pitchFamily="50" charset="-127"/>
+                <a:ea typeface="Malgun Gothic" panose="020B0503020000020004" pitchFamily="50" charset="-127"/>
+              </a:rPr>
+              <a:t> </a:t>
+            </a:r>
+            <a:r>
+              <a:rPr lang="en-US" altLang="ko-KR" sz="2800" b="1" i="0" dirty="0">
+                <a:solidFill>
+                  <a:srgbClr val="333333"/>
+                </a:solidFill>
+                <a:effectLst/>
+                <a:latin typeface="Malgun Gothic" panose="020B0503020000020004" pitchFamily="50" charset="-127"/>
+                <a:ea typeface="Malgun Gothic" panose="020B0503020000020004" pitchFamily="50" charset="-127"/>
+              </a:rPr>
+              <a:t>EXCEL</a:t>
+            </a:r>
           </a:p>
           <a:p>
             <a:pPr>
@@ -8740,66 +8733,9 @@
               </a:lnSpc>
             </a:pPr>
             <a:r>
-              <a:rPr lang="ko-KR" altLang="en-US" sz="2800" dirty="0">
-                <a:solidFill>
-                  <a:schemeClr val="tx1">
-                    <a:lumMod val="75000"/>
-                    <a:lumOff val="25000"/>
-                  </a:schemeClr>
-                </a:solidFill>
-                <a:latin typeface="210 골목길 L" panose="02020603020101020101" pitchFamily="18" charset="-127"/>
-                <a:ea typeface="210 골목길 L" panose="02020603020101020101" pitchFamily="18" charset="-127"/>
-                <a:cs typeface="Noto Sans SemBd" panose="020B0702040504020204" pitchFamily="34"/>
-              </a:rPr>
-              <a:t>사용할 </a:t>
+              <a:rPr lang="en-US" altLang="ko-KR" dirty="0"/>
+              <a:t>https://www.data.go.kr/data/15012892/standard.do</a:t>
             </a:r>
-            <a:r>
-              <a:rPr lang="en-US" altLang="ko-KR" sz="2800" dirty="0">
-                <a:solidFill>
-                  <a:schemeClr val="tx1">
-                    <a:lumMod val="75000"/>
-                    <a:lumOff val="25000"/>
-                  </a:schemeClr>
-                </a:solidFill>
-                <a:latin typeface="210 골목길 L" panose="02020603020101020101" pitchFamily="18" charset="-127"/>
-                <a:ea typeface="210 골목길 L" panose="02020603020101020101" pitchFamily="18" charset="-127"/>
-                <a:cs typeface="Noto Sans SemBd" panose="020B0702040504020204" pitchFamily="34"/>
-              </a:rPr>
-              <a:t>API URI</a:t>
-            </a:r>
-          </a:p>
-          <a:p>
-            <a:pPr>
-              <a:lnSpc>
-                <a:spcPct val="150000"/>
-              </a:lnSpc>
-            </a:pPr>
-            <a:r>
-              <a:rPr lang="en-US" altLang="ko-KR" dirty="0">
-                <a:solidFill>
-                  <a:schemeClr val="tx1">
-                    <a:lumMod val="75000"/>
-                    <a:lumOff val="25000"/>
-                  </a:schemeClr>
-                </a:solidFill>
-                <a:latin typeface="1훈떡볶이 R" panose="02020603020101020101" pitchFamily="18" charset="-127"/>
-                <a:ea typeface="1훈떡볶이 R" panose="02020603020101020101" pitchFamily="18" charset="-127"/>
-                <a:cs typeface="Noto Sans SemBd" panose="020B0702040504020204" pitchFamily="34"/>
-                <a:hlinkClick r:id="rId4"/>
-              </a:rPr>
-              <a:t>https://data.gg.go.kr/portal/data/service/selectServicePage.do?page=1&amp;rows=10&amp;sortColumn=&amp;sortDirection=&amp;infId=3NPA52LBMO36CQEQ1GMY28894927&amp;infSeq=3&amp;order=</a:t>
-            </a:r>
-            <a:endParaRPr lang="en-US" altLang="ko-KR" dirty="0">
-              <a:solidFill>
-                <a:schemeClr val="tx1">
-                  <a:lumMod val="75000"/>
-                  <a:lumOff val="25000"/>
-                </a:schemeClr>
-              </a:solidFill>
-              <a:latin typeface="1훈떡볶이 R" panose="02020603020101020101" pitchFamily="18" charset="-127"/>
-              <a:ea typeface="1훈떡볶이 R" panose="02020603020101020101" pitchFamily="18" charset="-127"/>
-              <a:cs typeface="Noto Sans SemBd" panose="020B0702040504020204" pitchFamily="34"/>
-            </a:endParaRPr>
           </a:p>
         </p:txBody>
       </p:sp>
@@ -8818,7 +8754,7 @@
           <p:nvPr/>
         </p:nvPicPr>
         <p:blipFill rotWithShape="1">
-          <a:blip r:embed="rId5">
+          <a:blip r:embed="rId3">
             <a:extLst>
               <a:ext uri="{28A0092B-C50C-407E-A947-70E740481C1C}">
                 <a14:useLocalDpi xmlns:a14="http://schemas.microsoft.com/office/drawing/2010/main"/>
@@ -8830,8 +8766,38 @@
         </p:blipFill>
         <p:spPr>
           <a:xfrm>
-            <a:off x="5535706" y="5351619"/>
+            <a:off x="4691407" y="5478742"/>
             <a:ext cx="1076462" cy="1219200"/>
+          </a:xfrm>
+          <a:prstGeom prst="rect">
+            <a:avLst/>
+          </a:prstGeom>
+        </p:spPr>
+      </p:pic>
+      <p:pic>
+        <p:nvPicPr>
+          <p:cNvPr id="3" name="그림 2">
+            <a:extLst>
+              <a:ext uri="{FF2B5EF4-FFF2-40B4-BE49-F238E27FC236}">
+                <a16:creationId xmlns:a16="http://schemas.microsoft.com/office/drawing/2014/main" id="{E6752848-0A38-65ED-3141-56E55BA71778}"/>
+              </a:ext>
+            </a:extLst>
+          </p:cNvPr>
+          <p:cNvPicPr>
+            <a:picLocks noChangeAspect="1"/>
+          </p:cNvPicPr>
+          <p:nvPr/>
+        </p:nvPicPr>
+        <p:blipFill>
+          <a:blip r:embed="rId4"/>
+          <a:stretch>
+            <a:fillRect/>
+          </a:stretch>
+        </p:blipFill>
+        <p:spPr>
+          <a:xfrm>
+            <a:off x="6000031" y="-3"/>
+            <a:ext cx="6184311" cy="6858000"/>
           </a:xfrm>
           <a:prstGeom prst="rect">
             <a:avLst/>
@@ -9696,53 +9662,6 @@
       </p:sp>
       <p:pic>
         <p:nvPicPr>
-          <p:cNvPr id="2054" name="Picture 6">
-            <a:extLst>
-              <a:ext uri="{FF2B5EF4-FFF2-40B4-BE49-F238E27FC236}">
-                <a16:creationId xmlns:a16="http://schemas.microsoft.com/office/drawing/2014/main" id="{314091B0-3C19-1468-821A-77A177276689}"/>
-              </a:ext>
-            </a:extLst>
-          </p:cNvPr>
-          <p:cNvPicPr>
-            <a:picLocks noChangeAspect="1" noChangeArrowheads="1"/>
-          </p:cNvPicPr>
-          <p:nvPr/>
-        </p:nvPicPr>
-        <p:blipFill>
-          <a:blip r:embed="rId3">
-            <a:extLst>
-              <a:ext uri="{28A0092B-C50C-407E-A947-70E740481C1C}">
-                <a14:useLocalDpi xmlns:a14="http://schemas.microsoft.com/office/drawing/2010/main" val="0"/>
-              </a:ext>
-            </a:extLst>
-          </a:blip>
-          <a:srcRect/>
-          <a:stretch>
-            <a:fillRect/>
-          </a:stretch>
-        </p:blipFill>
-        <p:spPr bwMode="auto">
-          <a:xfrm>
-            <a:off x="5058116" y="2036876"/>
-            <a:ext cx="6747943" cy="4271883"/>
-          </a:xfrm>
-          <a:prstGeom prst="rect">
-            <a:avLst/>
-          </a:prstGeom>
-          <a:noFill/>
-          <a:extLst>
-            <a:ext uri="{909E8E84-426E-40DD-AFC4-6F175D3DCCD1}">
-              <a14:hiddenFill xmlns:a14="http://schemas.microsoft.com/office/drawing/2010/main">
-                <a:solidFill>
-                  <a:srgbClr val="FFFFFF"/>
-                </a:solidFill>
-              </a14:hiddenFill>
-            </a:ext>
-          </a:extLst>
-        </p:spPr>
-      </p:pic>
-      <p:pic>
-        <p:nvPicPr>
           <p:cNvPr id="9" name="그림 8">
             <a:extLst>
               <a:ext uri="{FF2B5EF4-FFF2-40B4-BE49-F238E27FC236}">
@@ -9756,7 +9675,7 @@
           <p:nvPr/>
         </p:nvPicPr>
         <p:blipFill rotWithShape="1">
-          <a:blip r:embed="rId4">
+          <a:blip r:embed="rId3">
             <a:extLst>
               <a:ext uri="{28A0092B-C50C-407E-A947-70E740481C1C}">
                 <a14:useLocalDpi xmlns:a14="http://schemas.microsoft.com/office/drawing/2010/main"/>
@@ -9790,7 +9709,7 @@
         </p:nvSpPr>
         <p:spPr>
           <a:xfrm>
-            <a:off x="614541" y="3201128"/>
+            <a:off x="196345" y="3215642"/>
             <a:ext cx="5041061" cy="1400383"/>
           </a:xfrm>
           <a:prstGeom prst="rect">
@@ -9870,7 +9789,7 @@
                 <a:ea typeface="210 골목길 L" panose="02020603020101020101" pitchFamily="18" charset="-127"/>
                 <a:cs typeface="Noto Sans SemBd" panose="020B0702040504020204" pitchFamily="34"/>
               </a:rPr>
-              <a:t>경기도 시 군별 가맹점 정보</a:t>
+              <a:t>전국 공중 화장실 정보</a:t>
             </a:r>
             <a:r>
               <a:rPr lang="en-US" altLang="ko-KR" sz="2800" dirty="0">
@@ -9900,6 +9819,36 @@
           </a:p>
         </p:txBody>
       </p:sp>
+      <p:pic>
+        <p:nvPicPr>
+          <p:cNvPr id="5" name="그림 4">
+            <a:extLst>
+              <a:ext uri="{FF2B5EF4-FFF2-40B4-BE49-F238E27FC236}">
+                <a16:creationId xmlns:a16="http://schemas.microsoft.com/office/drawing/2014/main" id="{994E2268-9230-82B1-903D-1E8AF0A1A65D}"/>
+              </a:ext>
+            </a:extLst>
+          </p:cNvPr>
+          <p:cNvPicPr>
+            <a:picLocks noChangeAspect="1"/>
+          </p:cNvPicPr>
+          <p:nvPr/>
+        </p:nvPicPr>
+        <p:blipFill>
+          <a:blip r:embed="rId4"/>
+          <a:stretch>
+            <a:fillRect/>
+          </a:stretch>
+        </p:blipFill>
+        <p:spPr>
+          <a:xfrm>
+            <a:off x="4544542" y="1275887"/>
+            <a:ext cx="7124944" cy="4306226"/>
+          </a:xfrm>
+          <a:prstGeom prst="rect">
+            <a:avLst/>
+          </a:prstGeom>
+        </p:spPr>
+      </p:pic>
     </p:spTree>
     <p:extLst>
       <p:ext uri="{BB962C8B-B14F-4D97-AF65-F5344CB8AC3E}">
@@ -10770,7 +10719,7 @@
         </p:nvSpPr>
         <p:spPr>
           <a:xfrm>
-            <a:off x="4218203" y="-1"/>
+            <a:off x="4218203" y="-161338"/>
             <a:ext cx="7973797" cy="1549158"/>
           </a:xfrm>
           <a:prstGeom prst="rect">
@@ -10822,7 +10771,7 @@
         </p:nvSpPr>
         <p:spPr>
           <a:xfrm>
-            <a:off x="4520194" y="484215"/>
+            <a:off x="4520194" y="456651"/>
             <a:ext cx="5181600" cy="6048375"/>
           </a:xfrm>
           <a:prstGeom prst="rect">
@@ -10921,7 +10870,7 @@
                 <a:latin typeface="210 골목길 L" panose="02020603020101020101" pitchFamily="18" charset="-127"/>
                 <a:ea typeface="210 골목길 L" panose="02020603020101020101" pitchFamily="18" charset="-127"/>
               </a:rPr>
-              <a:t>경</a:t>
+              <a:t>공</a:t>
             </a:r>
             <a:endParaRPr lang="en-US" altLang="ko-KR" sz="2000" dirty="0">
               <a:latin typeface="210 골목길 L" panose="02020603020101020101" pitchFamily="18" charset="-127"/>
@@ -10935,7 +10884,7 @@
                 <a:latin typeface="210 골목길 L" panose="02020603020101020101" pitchFamily="18" charset="-127"/>
                 <a:ea typeface="210 골목길 L" panose="02020603020101020101" pitchFamily="18" charset="-127"/>
               </a:rPr>
-              <a:t>기</a:t>
+              <a:t>중</a:t>
             </a:r>
             <a:endParaRPr lang="en-US" altLang="ko-KR" sz="2000" dirty="0">
               <a:latin typeface="210 골목길 L" panose="02020603020101020101" pitchFamily="18" charset="-127"/>
@@ -10944,48 +10893,6 @@
           </a:p>
           <a:p>
             <a:pPr algn="ctr"/>
-            <a:r>
-              <a:rPr lang="ko-KR" altLang="en-US" sz="2000" dirty="0">
-                <a:latin typeface="210 골목길 L" panose="02020603020101020101" pitchFamily="18" charset="-127"/>
-                <a:ea typeface="210 골목길 L" panose="02020603020101020101" pitchFamily="18" charset="-127"/>
-              </a:rPr>
-              <a:t>도</a:t>
-            </a:r>
-            <a:endParaRPr lang="en-US" altLang="ko-KR" sz="2000" dirty="0">
-              <a:latin typeface="210 골목길 L" panose="02020603020101020101" pitchFamily="18" charset="-127"/>
-              <a:ea typeface="210 골목길 L" panose="02020603020101020101" pitchFamily="18" charset="-127"/>
-            </a:endParaRPr>
-          </a:p>
-          <a:p>
-            <a:pPr algn="ctr"/>
-            <a:endParaRPr lang="en-US" altLang="ko-KR" sz="2000" dirty="0">
-              <a:latin typeface="210 골목길 L" panose="02020603020101020101" pitchFamily="18" charset="-127"/>
-              <a:ea typeface="210 골목길 L" panose="02020603020101020101" pitchFamily="18" charset="-127"/>
-            </a:endParaRPr>
-          </a:p>
-          <a:p>
-            <a:pPr algn="ctr"/>
-            <a:r>
-              <a:rPr lang="ko-KR" altLang="en-US" sz="2000" dirty="0">
-                <a:latin typeface="210 골목길 L" panose="02020603020101020101" pitchFamily="18" charset="-127"/>
-                <a:ea typeface="210 골목길 L" panose="02020603020101020101" pitchFamily="18" charset="-127"/>
-              </a:rPr>
-              <a:t>지</a:t>
-            </a:r>
-            <a:endParaRPr lang="en-US" altLang="ko-KR" sz="2000" dirty="0">
-              <a:latin typeface="210 골목길 L" panose="02020603020101020101" pitchFamily="18" charset="-127"/>
-              <a:ea typeface="210 골목길 L" panose="02020603020101020101" pitchFamily="18" charset="-127"/>
-            </a:endParaRPr>
-          </a:p>
-          <a:p>
-            <a:pPr algn="ctr"/>
-            <a:r>
-              <a:rPr lang="ko-KR" altLang="en-US" sz="2000" dirty="0">
-                <a:latin typeface="210 골목길 L" panose="02020603020101020101" pitchFamily="18" charset="-127"/>
-                <a:ea typeface="210 골목길 L" panose="02020603020101020101" pitchFamily="18" charset="-127"/>
-              </a:rPr>
-              <a:t>역</a:t>
-            </a:r>
             <a:endParaRPr lang="en-US" altLang="ko-KR" sz="2000" dirty="0">
               <a:latin typeface="210 골목길 L" panose="02020603020101020101" pitchFamily="18" charset="-127"/>
               <a:ea typeface="210 골목길 L" panose="02020603020101020101" pitchFamily="18" charset="-127"/>
@@ -11012,15 +10919,8 @@
                 <a:latin typeface="210 골목길 L" panose="02020603020101020101" pitchFamily="18" charset="-127"/>
                 <a:ea typeface="210 골목길 L" panose="02020603020101020101" pitchFamily="18" charset="-127"/>
               </a:rPr>
-              <a:t>폐</a:t>
+              <a:t>장</a:t>
             </a:r>
-            <a:endParaRPr lang="en-US" altLang="ko-KR" sz="2000" dirty="0">
-              <a:latin typeface="210 골목길 L" panose="02020603020101020101" pitchFamily="18" charset="-127"/>
-              <a:ea typeface="210 골목길 L" panose="02020603020101020101" pitchFamily="18" charset="-127"/>
-            </a:endParaRPr>
-          </a:p>
-          <a:p>
-            <a:pPr algn="ctr"/>
             <a:endParaRPr lang="en-US" altLang="ko-KR" sz="2000" dirty="0">
               <a:latin typeface="210 골목길 L" panose="02020603020101020101" pitchFamily="18" charset="-127"/>
               <a:ea typeface="210 골목길 L" panose="02020603020101020101" pitchFamily="18" charset="-127"/>
@@ -11033,8 +10933,15 @@
                 <a:latin typeface="210 골목길 L" panose="02020603020101020101" pitchFamily="18" charset="-127"/>
                 <a:ea typeface="210 골목길 L" panose="02020603020101020101" pitchFamily="18" charset="-127"/>
               </a:rPr>
-              <a:t>가</a:t>
+              <a:t>실</a:t>
             </a:r>
+            <a:endParaRPr lang="en-US" altLang="ko-KR" sz="2000" dirty="0">
+              <a:latin typeface="210 골목길 L" panose="02020603020101020101" pitchFamily="18" charset="-127"/>
+              <a:ea typeface="210 골목길 L" panose="02020603020101020101" pitchFamily="18" charset="-127"/>
+            </a:endParaRPr>
+          </a:p>
+          <a:p>
+            <a:pPr algn="ctr"/>
             <a:endParaRPr lang="en-US" altLang="ko-KR" sz="2000" dirty="0">
               <a:latin typeface="210 골목길 L" panose="02020603020101020101" pitchFamily="18" charset="-127"/>
               <a:ea typeface="210 골목길 L" panose="02020603020101020101" pitchFamily="18" charset="-127"/>
@@ -11047,7 +10954,7 @@
                 <a:latin typeface="210 골목길 L" panose="02020603020101020101" pitchFamily="18" charset="-127"/>
                 <a:ea typeface="210 골목길 L" panose="02020603020101020101" pitchFamily="18" charset="-127"/>
               </a:rPr>
-              <a:t>맹</a:t>
+              <a:t>검</a:t>
             </a:r>
             <a:endParaRPr lang="en-US" altLang="ko-KR" sz="2000" dirty="0">
               <a:latin typeface="210 골목길 L" panose="02020603020101020101" pitchFamily="18" charset="-127"/>
@@ -11061,7 +10968,70 @@
                 <a:latin typeface="210 골목길 L" panose="02020603020101020101" pitchFamily="18" charset="-127"/>
                 <a:ea typeface="210 골목길 L" panose="02020603020101020101" pitchFamily="18" charset="-127"/>
               </a:rPr>
-              <a:t>점</a:t>
+              <a:t>색 </a:t>
+            </a:r>
+            <a:endParaRPr lang="en-US" altLang="ko-KR" sz="2000" dirty="0">
+              <a:latin typeface="210 골목길 L" panose="02020603020101020101" pitchFamily="18" charset="-127"/>
+              <a:ea typeface="210 골목길 L" panose="02020603020101020101" pitchFamily="18" charset="-127"/>
+            </a:endParaRPr>
+          </a:p>
+          <a:p>
+            <a:pPr algn="ctr"/>
+            <a:endParaRPr lang="en-US" altLang="ko-KR" sz="2000" dirty="0">
+              <a:latin typeface="210 골목길 L" panose="02020603020101020101" pitchFamily="18" charset="-127"/>
+              <a:ea typeface="210 골목길 L" panose="02020603020101020101" pitchFamily="18" charset="-127"/>
+            </a:endParaRPr>
+          </a:p>
+          <a:p>
+            <a:pPr algn="ctr"/>
+            <a:r>
+              <a:rPr lang="ko-KR" altLang="en-US" sz="2000" dirty="0" err="1">
+                <a:latin typeface="210 골목길 L" panose="02020603020101020101" pitchFamily="18" charset="-127"/>
+                <a:ea typeface="210 골목길 L" panose="02020603020101020101" pitchFamily="18" charset="-127"/>
+              </a:rPr>
+              <a:t>프</a:t>
+            </a:r>
+            <a:endParaRPr lang="en-US" altLang="ko-KR" sz="2000" dirty="0">
+              <a:latin typeface="210 골목길 L" panose="02020603020101020101" pitchFamily="18" charset="-127"/>
+              <a:ea typeface="210 골목길 L" panose="02020603020101020101" pitchFamily="18" charset="-127"/>
+            </a:endParaRPr>
+          </a:p>
+          <a:p>
+            <a:pPr algn="ctr"/>
+            <a:r>
+              <a:rPr lang="ko-KR" altLang="en-US" sz="2000" dirty="0">
+                <a:latin typeface="210 골목길 L" panose="02020603020101020101" pitchFamily="18" charset="-127"/>
+                <a:ea typeface="210 골목길 L" panose="02020603020101020101" pitchFamily="18" charset="-127"/>
+              </a:rPr>
+              <a:t>로</a:t>
+            </a:r>
+            <a:endParaRPr lang="en-US" altLang="ko-KR" sz="2000" dirty="0">
+              <a:latin typeface="210 골목길 L" panose="02020603020101020101" pitchFamily="18" charset="-127"/>
+              <a:ea typeface="210 골목길 L" panose="02020603020101020101" pitchFamily="18" charset="-127"/>
+            </a:endParaRPr>
+          </a:p>
+          <a:p>
+            <a:pPr algn="ctr"/>
+            <a:r>
+              <a:rPr lang="ko-KR" altLang="en-US" sz="2000" dirty="0">
+                <a:latin typeface="210 골목길 L" panose="02020603020101020101" pitchFamily="18" charset="-127"/>
+                <a:ea typeface="210 골목길 L" panose="02020603020101020101" pitchFamily="18" charset="-127"/>
+              </a:rPr>
+              <a:t>그</a:t>
+            </a:r>
+            <a:endParaRPr lang="en-US" altLang="ko-KR" sz="2000" dirty="0">
+              <a:latin typeface="210 골목길 L" panose="02020603020101020101" pitchFamily="18" charset="-127"/>
+              <a:ea typeface="210 골목길 L" panose="02020603020101020101" pitchFamily="18" charset="-127"/>
+            </a:endParaRPr>
+          </a:p>
+          <a:p>
+            <a:pPr algn="ctr"/>
+            <a:r>
+              <a:rPr lang="ko-KR" altLang="en-US" sz="2000" dirty="0">
+                <a:latin typeface="210 골목길 L" panose="02020603020101020101" pitchFamily="18" charset="-127"/>
+                <a:ea typeface="210 골목길 L" panose="02020603020101020101" pitchFamily="18" charset="-127"/>
+              </a:rPr>
+              <a:t>램</a:t>
             </a:r>
             <a:endParaRPr lang="en-US" altLang="ko-KR" sz="2000" dirty="0">
               <a:latin typeface="210 골목길 L" panose="02020603020101020101" pitchFamily="18" charset="-127"/>
@@ -11134,7 +11104,7 @@
                 <a:latin typeface="210 골목길 L" panose="02020603020101020101" pitchFamily="18" charset="-127"/>
                 <a:ea typeface="210 골목길 L" panose="02020603020101020101" pitchFamily="18" charset="-127"/>
               </a:rPr>
-              <a:t>시흥시</a:t>
+              <a:t>검색 지역</a:t>
             </a:r>
             <a:endParaRPr lang="en-US" altLang="ko-KR" sz="2400" dirty="0">
               <a:solidFill>
@@ -11242,33 +11212,8 @@
                 <a:latin typeface="210 골목길 L" panose="02020603020101020101" pitchFamily="18" charset="-127"/>
                 <a:ea typeface="210 골목길 L" panose="02020603020101020101" pitchFamily="18" charset="-127"/>
               </a:rPr>
-              <a:t>경기도 시흥시 </a:t>
+              <a:t>화장실 정보</a:t>
             </a:r>
-            <a:r>
-              <a:rPr lang="ko-KR" altLang="en-US" dirty="0" err="1">
-                <a:latin typeface="210 골목길 L" panose="02020603020101020101" pitchFamily="18" charset="-127"/>
-                <a:ea typeface="210 골목길 L" panose="02020603020101020101" pitchFamily="18" charset="-127"/>
-              </a:rPr>
-              <a:t>산기대학로</a:t>
-            </a:r>
-            <a:r>
-              <a:rPr lang="ko-KR" altLang="en-US" dirty="0">
-                <a:latin typeface="210 골목길 L" panose="02020603020101020101" pitchFamily="18" charset="-127"/>
-                <a:ea typeface="210 골목길 L" panose="02020603020101020101" pitchFamily="18" charset="-127"/>
-              </a:rPr>
-              <a:t> </a:t>
-            </a:r>
-            <a:r>
-              <a:rPr lang="en-US" altLang="ko-KR" dirty="0">
-                <a:latin typeface="210 골목길 L" panose="02020603020101020101" pitchFamily="18" charset="-127"/>
-                <a:ea typeface="210 골목길 L" panose="02020603020101020101" pitchFamily="18" charset="-127"/>
-              </a:rPr>
-              <a:t>237 </a:t>
-            </a:r>
-            <a:endParaRPr lang="ko-KR" altLang="en-US" dirty="0">
-              <a:latin typeface="210 골목길 L" panose="02020603020101020101" pitchFamily="18" charset="-127"/>
-              <a:ea typeface="210 골목길 L" panose="02020603020101020101" pitchFamily="18" charset="-127"/>
-            </a:endParaRPr>
           </a:p>
         </p:txBody>
       </p:sp>
@@ -11314,76 +11259,6 @@
           <a:lstStyle/>
           <a:p>
             <a:pPr algn="ctr"/>
-            <a:r>
-              <a:rPr lang="ko-KR" altLang="en-US" sz="2000" dirty="0">
-                <a:latin typeface="210 골목길 L" panose="02020603020101020101" pitchFamily="18" charset="-127"/>
-                <a:ea typeface="210 골목길 L" panose="02020603020101020101" pitchFamily="18" charset="-127"/>
-              </a:rPr>
-              <a:t>     음식점 </a:t>
-            </a:r>
-            <a:r>
-              <a:rPr lang="en-US" altLang="ko-KR" sz="2000" dirty="0">
-                <a:latin typeface="210 골목길 L" panose="02020603020101020101" pitchFamily="18" charset="-127"/>
-                <a:ea typeface="210 골목길 L" panose="02020603020101020101" pitchFamily="18" charset="-127"/>
-              </a:rPr>
-              <a:t>: </a:t>
-            </a:r>
-            <a:r>
-              <a:rPr lang="ko-KR" altLang="en-US" sz="2000" dirty="0" err="1">
-                <a:latin typeface="210 골목길 L" panose="02020603020101020101" pitchFamily="18" charset="-127"/>
-                <a:ea typeface="210 골목길 L" panose="02020603020101020101" pitchFamily="18" charset="-127"/>
-              </a:rPr>
-              <a:t>나들이김밥</a:t>
-            </a:r>
-            <a:endParaRPr lang="en-US" altLang="ko-KR" sz="2000" dirty="0">
-              <a:latin typeface="210 골목길 L" panose="02020603020101020101" pitchFamily="18" charset="-127"/>
-              <a:ea typeface="210 골목길 L" panose="02020603020101020101" pitchFamily="18" charset="-127"/>
-            </a:endParaRPr>
-          </a:p>
-          <a:p>
-            <a:pPr algn="ctr"/>
-            <a:r>
-              <a:rPr lang="ko-KR" altLang="en-US" sz="2000" dirty="0">
-                <a:latin typeface="210 골목길 L" panose="02020603020101020101" pitchFamily="18" charset="-127"/>
-                <a:ea typeface="210 골목길 L" panose="02020603020101020101" pitchFamily="18" charset="-127"/>
-              </a:rPr>
-              <a:t>             </a:t>
-            </a:r>
-            <a:r>
-              <a:rPr lang="ko-KR" altLang="en-US" sz="2000" dirty="0" err="1">
-                <a:latin typeface="210 골목길 L" panose="02020603020101020101" pitchFamily="18" charset="-127"/>
-                <a:ea typeface="210 골목길 L" panose="02020603020101020101" pitchFamily="18" charset="-127"/>
-              </a:rPr>
-              <a:t>토스피아</a:t>
-            </a:r>
-            <a:endParaRPr lang="en-US" altLang="ko-KR" sz="2000" dirty="0">
-              <a:latin typeface="210 골목길 L" panose="02020603020101020101" pitchFamily="18" charset="-127"/>
-              <a:ea typeface="210 골목길 L" panose="02020603020101020101" pitchFamily="18" charset="-127"/>
-            </a:endParaRPr>
-          </a:p>
-          <a:p>
-            <a:pPr algn="ctr"/>
-            <a:r>
-              <a:rPr lang="ko-KR" altLang="en-US" sz="2000" dirty="0">
-                <a:latin typeface="210 골목길 L" panose="02020603020101020101" pitchFamily="18" charset="-127"/>
-                <a:ea typeface="210 골목길 L" panose="02020603020101020101" pitchFamily="18" charset="-127"/>
-              </a:rPr>
-              <a:t>     서점 </a:t>
-            </a:r>
-            <a:r>
-              <a:rPr lang="en-US" altLang="ko-KR" sz="2000" dirty="0">
-                <a:latin typeface="210 골목길 L" panose="02020603020101020101" pitchFamily="18" charset="-127"/>
-                <a:ea typeface="210 골목길 L" panose="02020603020101020101" pitchFamily="18" charset="-127"/>
-              </a:rPr>
-              <a:t>: KPU</a:t>
-            </a:r>
-            <a:r>
-              <a:rPr lang="ko-KR" altLang="en-US" sz="2000" dirty="0">
-                <a:latin typeface="210 골목길 L" panose="02020603020101020101" pitchFamily="18" charset="-127"/>
-                <a:ea typeface="210 골목길 L" panose="02020603020101020101" pitchFamily="18" charset="-127"/>
-              </a:rPr>
-              <a:t>서점</a:t>
-            </a:r>
             <a:endParaRPr lang="en-US" altLang="ko-KR" sz="2000" dirty="0">
               <a:latin typeface="210 골목길 L" panose="02020603020101020101" pitchFamily="18" charset="-127"/>
               <a:ea typeface="210 골목길 L" panose="02020603020101020101" pitchFamily="18" charset="-127"/>
@@ -11418,55 +11293,8 @@
         </p:blipFill>
         <p:spPr bwMode="auto">
           <a:xfrm>
-            <a:off x="6028502" y="4177456"/>
+            <a:off x="6028502" y="4103246"/>
             <a:ext cx="3133264" cy="1997194"/>
-          </a:xfrm>
-          <a:prstGeom prst="rect">
-            <a:avLst/>
-          </a:prstGeom>
-          <a:noFill/>
-          <a:extLst>
-            <a:ext uri="{909E8E84-426E-40DD-AFC4-6F175D3DCCD1}">
-              <a14:hiddenFill xmlns:a14="http://schemas.microsoft.com/office/drawing/2010/main">
-                <a:solidFill>
-                  <a:srgbClr val="FFFFFF"/>
-                </a:solidFill>
-              </a14:hiddenFill>
-            </a:ext>
-          </a:extLst>
-        </p:spPr>
-      </p:pic>
-      <p:pic>
-        <p:nvPicPr>
-          <p:cNvPr id="18" name="Picture 4" descr="시흥화폐 시루 사용방법">
-            <a:extLst>
-              <a:ext uri="{FF2B5EF4-FFF2-40B4-BE49-F238E27FC236}">
-                <a16:creationId xmlns:a16="http://schemas.microsoft.com/office/drawing/2014/main" id="{42982ED4-CF71-183B-9209-CE3E1AA59191}"/>
-              </a:ext>
-            </a:extLst>
-          </p:cNvPr>
-          <p:cNvPicPr>
-            <a:picLocks noChangeAspect="1" noChangeArrowheads="1"/>
-          </p:cNvPicPr>
-          <p:nvPr/>
-        </p:nvPicPr>
-        <p:blipFill>
-          <a:blip r:embed="rId4" cstate="print">
-            <a:extLst>
-              <a:ext uri="{28A0092B-C50C-407E-A947-70E740481C1C}">
-                <a14:useLocalDpi xmlns:a14="http://schemas.microsoft.com/office/drawing/2010/main" val="0"/>
-              </a:ext>
-            </a:extLst>
-          </a:blip>
-          <a:srcRect/>
-          <a:stretch>
-            <a:fillRect/>
-          </a:stretch>
-        </p:blipFill>
-        <p:spPr bwMode="auto">
-          <a:xfrm>
-            <a:off x="5992198" y="2643081"/>
-            <a:ext cx="780724" cy="580968"/>
           </a:xfrm>
           <a:prstGeom prst="rect">
             <a:avLst/>
@@ -11497,7 +11325,7 @@
         </p:nvSpPr>
         <p:spPr>
           <a:xfrm>
-            <a:off x="5788814" y="818028"/>
+            <a:off x="5750044" y="826328"/>
             <a:ext cx="1995335" cy="672169"/>
           </a:xfrm>
           <a:prstGeom prst="rect">
@@ -11524,7 +11352,6 @@
           <a:bodyPr rtlCol="0" anchor="ctr"/>
           <a:lstStyle/>
           <a:p>
-            <a:pPr algn="ctr"/>
             <a:r>
               <a:rPr lang="ko-KR" altLang="en-US" sz="1600" dirty="0">
                 <a:solidFill>
@@ -11533,7 +11360,7 @@
                 <a:latin typeface="210 골목길 L" panose="02020603020101020101" pitchFamily="18" charset="-127"/>
                 <a:ea typeface="210 골목길 L" panose="02020603020101020101" pitchFamily="18" charset="-127"/>
               </a:rPr>
-              <a:t>검색 </a:t>
+              <a:t>    지역 검색 </a:t>
             </a:r>
             <a:endParaRPr lang="en-US" altLang="ko-KR" sz="1600" dirty="0">
               <a:solidFill>
@@ -11675,36 +11502,6 @@
           </a:p>
         </p:txBody>
       </p:sp>
-      <p:pic>
-        <p:nvPicPr>
-          <p:cNvPr id="26" name="그림 25">
-            <a:extLst>
-              <a:ext uri="{FF2B5EF4-FFF2-40B4-BE49-F238E27FC236}">
-                <a16:creationId xmlns:a16="http://schemas.microsoft.com/office/drawing/2014/main" id="{89F0EB19-2AE8-8EFC-B56D-2F7FC6E64E00}"/>
-              </a:ext>
-            </a:extLst>
-          </p:cNvPr>
-          <p:cNvPicPr>
-            <a:picLocks noChangeAspect="1"/>
-          </p:cNvPicPr>
-          <p:nvPr/>
-        </p:nvPicPr>
-        <p:blipFill rotWithShape="1">
-          <a:blip r:embed="rId5"/>
-          <a:stretch>
-            <a:fillRect/>
-          </a:stretch>
-        </p:blipFill>
-        <p:spPr>
-          <a:xfrm>
-            <a:off x="7899802" y="829558"/>
-            <a:ext cx="1631964" cy="595667"/>
-          </a:xfrm>
-          <a:prstGeom prst="rect">
-            <a:avLst/>
-          </a:prstGeom>
-        </p:spPr>
-      </p:pic>
       <p:sp>
         <p:nvSpPr>
           <p:cNvPr id="9" name="TextBox 8">
@@ -11811,44 +11608,6 @@
       </p:sp>
       <p:sp>
         <p:nvSpPr>
-          <p:cNvPr id="29" name="TextBox 28">
-            <a:extLst>
-              <a:ext uri="{FF2B5EF4-FFF2-40B4-BE49-F238E27FC236}">
-                <a16:creationId xmlns:a16="http://schemas.microsoft.com/office/drawing/2014/main" id="{B083F999-7BD5-A049-C8BC-618E7A0AE614}"/>
-              </a:ext>
-            </a:extLst>
-          </p:cNvPr>
-          <p:cNvSpPr txBox="1"/>
-          <p:nvPr/>
-        </p:nvSpPr>
-        <p:spPr>
-          <a:xfrm>
-            <a:off x="9979535" y="882999"/>
-            <a:ext cx="2212465" cy="400110"/>
-          </a:xfrm>
-          <a:prstGeom prst="rect">
-            <a:avLst/>
-          </a:prstGeom>
-          <a:noFill/>
-        </p:spPr>
-        <p:txBody>
-          <a:bodyPr wrap="none" rtlCol="0">
-            <a:spAutoFit/>
-          </a:bodyPr>
-          <a:lstStyle/>
-          <a:p>
-            <a:r>
-              <a:rPr lang="ko-KR" altLang="en-US" sz="2000" dirty="0">
-                <a:latin typeface="210 골목길 L" panose="02020603020101020101" pitchFamily="18" charset="-127"/>
-                <a:ea typeface="210 골목길 L" panose="02020603020101020101" pitchFamily="18" charset="-127"/>
-              </a:rPr>
-              <a:t>경기도 지역화폐 로고</a:t>
-            </a:r>
-          </a:p>
-        </p:txBody>
-      </p:sp>
-      <p:sp>
-        <p:nvSpPr>
           <p:cNvPr id="30" name="TextBox 29">
             <a:extLst>
               <a:ext uri="{FF2B5EF4-FFF2-40B4-BE49-F238E27FC236}">
@@ -11862,7 +11621,7 @@
         <p:spPr>
           <a:xfrm>
             <a:off x="704885" y="3623743"/>
-            <a:ext cx="1996059" cy="400110"/>
+            <a:ext cx="1903085" cy="400110"/>
           </a:xfrm>
           <a:prstGeom prst="rect">
             <a:avLst/>
@@ -11880,35 +11639,7 @@
                 <a:latin typeface="210 골목길 L" panose="02020603020101020101" pitchFamily="18" charset="-127"/>
                 <a:ea typeface="210 골목길 L" panose="02020603020101020101" pitchFamily="18" charset="-127"/>
               </a:rPr>
-              <a:t>경기도 시</a:t>
-            </a:r>
-            <a:r>
-              <a:rPr lang="en-US" altLang="ko-KR" sz="2000" dirty="0">
-                <a:latin typeface="210 골목길 L" panose="02020603020101020101" pitchFamily="18" charset="-127"/>
-                <a:ea typeface="210 골목길 L" panose="02020603020101020101" pitchFamily="18" charset="-127"/>
-              </a:rPr>
-              <a:t>(</a:t>
-            </a:r>
-            <a:r>
-              <a:rPr lang="ko-KR" altLang="en-US" sz="2000" dirty="0">
-                <a:latin typeface="210 골목길 L" panose="02020603020101020101" pitchFamily="18" charset="-127"/>
-                <a:ea typeface="210 골목길 L" panose="02020603020101020101" pitchFamily="18" charset="-127"/>
-              </a:rPr>
-              <a:t>군</a:t>
-            </a:r>
-            <a:r>
-              <a:rPr lang="en-US" altLang="ko-KR" sz="2000" dirty="0">
-                <a:latin typeface="210 골목길 L" panose="02020603020101020101" pitchFamily="18" charset="-127"/>
-                <a:ea typeface="210 골목길 L" panose="02020603020101020101" pitchFamily="18" charset="-127"/>
-              </a:rPr>
-              <a:t>) </a:t>
-            </a:r>
-            <a:r>
-              <a:rPr lang="ko-KR" altLang="en-US" sz="2000" dirty="0">
-                <a:latin typeface="210 골목길 L" panose="02020603020101020101" pitchFamily="18" charset="-127"/>
-                <a:ea typeface="210 골목길 L" panose="02020603020101020101" pitchFamily="18" charset="-127"/>
-              </a:rPr>
-              <a:t>선택</a:t>
+              <a:t>검색 지역 찾기</a:t>
             </a:r>
           </a:p>
         </p:txBody>
@@ -11965,8 +11696,8 @@
         </p:nvSpPr>
         <p:spPr>
           <a:xfrm>
-            <a:off x="1105834" y="5176053"/>
-            <a:ext cx="2193229" cy="400110"/>
+            <a:off x="563342" y="5225545"/>
+            <a:ext cx="2672526" cy="400110"/>
           </a:xfrm>
           <a:prstGeom prst="rect">
             <a:avLst/>
@@ -11980,12 +11711,16 @@
           <a:lstStyle/>
           <a:p>
             <a:r>
-              <a:rPr lang="ko-KR" altLang="en-US" sz="2000" dirty="0">
+              <a:rPr lang="ko-KR" altLang="en-US" sz="2000">
                 <a:latin typeface="210 골목길 L" panose="02020603020101020101" pitchFamily="18" charset="-127"/>
                 <a:ea typeface="210 골목길 L" panose="02020603020101020101" pitchFamily="18" charset="-127"/>
               </a:rPr>
-              <a:t> 검색 시 도로명 주소</a:t>
+              <a:t>클릭한 화장실의 정보</a:t>
             </a:r>
+            <a:endParaRPr lang="ko-KR" altLang="en-US" sz="2000" dirty="0">
+              <a:latin typeface="210 골목길 L" panose="02020603020101020101" pitchFamily="18" charset="-127"/>
+              <a:ea typeface="210 골목길 L" panose="02020603020101020101" pitchFamily="18" charset="-127"/>
+            </a:endParaRPr>
           </a:p>
         </p:txBody>
       </p:sp>
@@ -12042,7 +11777,7 @@
         <p:spPr>
           <a:xfrm>
             <a:off x="10601991" y="2022419"/>
-            <a:ext cx="1526380" cy="400110"/>
+            <a:ext cx="1526380" cy="707886"/>
           </a:xfrm>
           <a:prstGeom prst="rect">
             <a:avLst/>
@@ -12060,7 +11795,20 @@
                 <a:latin typeface="210 골목길 L" panose="02020603020101020101" pitchFamily="18" charset="-127"/>
                 <a:ea typeface="210 골목길 L" panose="02020603020101020101" pitchFamily="18" charset="-127"/>
               </a:rPr>
-              <a:t>메일로 보내기</a:t>
+              <a:t>메일로 </a:t>
+            </a:r>
+            <a:endParaRPr lang="en-US" altLang="ko-KR" sz="2000" dirty="0">
+              <a:latin typeface="210 골목길 L" panose="02020603020101020101" pitchFamily="18" charset="-127"/>
+              <a:ea typeface="210 골목길 L" panose="02020603020101020101" pitchFamily="18" charset="-127"/>
+            </a:endParaRPr>
+          </a:p>
+          <a:p>
+            <a:r>
+              <a:rPr lang="ko-KR" altLang="en-US" sz="2000" dirty="0">
+                <a:latin typeface="210 골목길 L" panose="02020603020101020101" pitchFamily="18" charset="-127"/>
+                <a:ea typeface="210 골목길 L" panose="02020603020101020101" pitchFamily="18" charset="-127"/>
+              </a:rPr>
+              <a:t>보내기</a:t>
             </a:r>
           </a:p>
         </p:txBody>
@@ -12346,53 +12094,6 @@
       </p:cxnSp>
       <p:cxnSp>
         <p:nvCxnSpPr>
-          <p:cNvPr id="76" name="연결선: 꺾임 75">
-            <a:extLst>
-              <a:ext uri="{FF2B5EF4-FFF2-40B4-BE49-F238E27FC236}">
-                <a16:creationId xmlns:a16="http://schemas.microsoft.com/office/drawing/2014/main" id="{62D83A4B-1BAE-950A-B096-50AEC244A37C}"/>
-              </a:ext>
-            </a:extLst>
-          </p:cNvPr>
-          <p:cNvCxnSpPr>
-            <a:cxnSpLocks/>
-            <a:stCxn id="29" idx="1"/>
-          </p:cNvCxnSpPr>
-          <p:nvPr/>
-        </p:nvCxnSpPr>
-        <p:spPr>
-          <a:xfrm rot="10800000" flipV="1">
-            <a:off x="9531767" y="1083054"/>
-            <a:ext cx="447768" cy="2414"/>
-          </a:xfrm>
-          <a:prstGeom prst="bentConnector3">
-            <a:avLst>
-              <a:gd name="adj1" fmla="val 50000"/>
-            </a:avLst>
-          </a:prstGeom>
-          <a:ln w="38100">
-            <a:solidFill>
-              <a:schemeClr val="bg1"/>
-            </a:solidFill>
-            <a:tailEnd type="triangle"/>
-          </a:ln>
-        </p:spPr>
-        <p:style>
-          <a:lnRef idx="1">
-            <a:schemeClr val="accent1"/>
-          </a:lnRef>
-          <a:fillRef idx="0">
-            <a:schemeClr val="accent1"/>
-          </a:fillRef>
-          <a:effectRef idx="0">
-            <a:schemeClr val="accent1"/>
-          </a:effectRef>
-          <a:fontRef idx="minor">
-            <a:schemeClr val="tx1"/>
-          </a:fontRef>
-        </p:style>
-      </p:cxnSp>
-      <p:cxnSp>
-        <p:nvCxnSpPr>
           <p:cNvPr id="79" name="연결선: 꺾임 78">
             <a:extLst>
               <a:ext uri="{FF2B5EF4-FFF2-40B4-BE49-F238E27FC236}">
@@ -12453,7 +12154,7 @@
           <p:nvPr/>
         </p:nvPicPr>
         <p:blipFill rotWithShape="1">
-          <a:blip r:embed="rId6">
+          <a:blip r:embed="rId4">
             <a:extLst>
               <a:ext uri="{28A0092B-C50C-407E-A947-70E740481C1C}">
                 <a14:useLocalDpi xmlns:a14="http://schemas.microsoft.com/office/drawing/2010/main"/>
@@ -12473,6 +12174,572 @@
           </a:prstGeom>
         </p:spPr>
       </p:pic>
+      <p:sp>
+        <p:nvSpPr>
+          <p:cNvPr id="36" name="직사각형 35">
+            <a:extLst>
+              <a:ext uri="{FF2B5EF4-FFF2-40B4-BE49-F238E27FC236}">
+                <a16:creationId xmlns:a16="http://schemas.microsoft.com/office/drawing/2014/main" id="{91999556-6590-6C64-3F96-AC9413118C49}"/>
+              </a:ext>
+            </a:extLst>
+          </p:cNvPr>
+          <p:cNvSpPr/>
+          <p:nvPr/>
+        </p:nvSpPr>
+        <p:spPr>
+          <a:xfrm>
+            <a:off x="8869606" y="854010"/>
+            <a:ext cx="241752" cy="261611"/>
+          </a:xfrm>
+          <a:prstGeom prst="rect">
+            <a:avLst/>
+          </a:prstGeom>
+        </p:spPr>
+        <p:style>
+          <a:lnRef idx="2">
+            <a:schemeClr val="accent1">
+              <a:shade val="50000"/>
+            </a:schemeClr>
+          </a:lnRef>
+          <a:fillRef idx="1">
+            <a:schemeClr val="accent1"/>
+          </a:fillRef>
+          <a:effectRef idx="0">
+            <a:schemeClr val="accent1"/>
+          </a:effectRef>
+          <a:fontRef idx="minor">
+            <a:schemeClr val="lt1"/>
+          </a:fontRef>
+        </p:style>
+        <p:txBody>
+          <a:bodyPr rtlCol="0" anchor="ctr"/>
+          <a:lstStyle/>
+          <a:p>
+            <a:r>
+              <a:rPr lang="ko-KR" altLang="en-US" sz="1600" dirty="0">
+                <a:solidFill>
+                  <a:schemeClr val="bg1"/>
+                </a:solidFill>
+                <a:latin typeface="210 골목길 L" panose="02020603020101020101" pitchFamily="18" charset="-127"/>
+                <a:ea typeface="210 골목길 L" panose="02020603020101020101" pitchFamily="18" charset="-127"/>
+              </a:rPr>
+              <a:t> </a:t>
+            </a:r>
+            <a:endParaRPr lang="en-US" altLang="ko-KR" sz="1600" dirty="0">
+              <a:solidFill>
+                <a:schemeClr val="bg1"/>
+              </a:solidFill>
+              <a:latin typeface="210 골목길 L" panose="02020603020101020101" pitchFamily="18" charset="-127"/>
+              <a:ea typeface="210 골목길 L" panose="02020603020101020101" pitchFamily="18" charset="-127"/>
+            </a:endParaRPr>
+          </a:p>
+        </p:txBody>
+      </p:sp>
+      <p:sp>
+        <p:nvSpPr>
+          <p:cNvPr id="2" name="TextBox 1">
+            <a:extLst>
+              <a:ext uri="{FF2B5EF4-FFF2-40B4-BE49-F238E27FC236}">
+                <a16:creationId xmlns:a16="http://schemas.microsoft.com/office/drawing/2014/main" id="{B2D057A0-066E-1224-25D9-D0B0BB797ECA}"/>
+              </a:ext>
+            </a:extLst>
+          </p:cNvPr>
+          <p:cNvSpPr txBox="1"/>
+          <p:nvPr/>
+        </p:nvSpPr>
+        <p:spPr>
+          <a:xfrm>
+            <a:off x="8022361" y="854010"/>
+            <a:ext cx="903508" cy="261610"/>
+          </a:xfrm>
+          <a:prstGeom prst="rect">
+            <a:avLst/>
+          </a:prstGeom>
+          <a:noFill/>
+        </p:spPr>
+        <p:txBody>
+          <a:bodyPr wrap="square" rtlCol="0">
+            <a:spAutoFit/>
+          </a:bodyPr>
+          <a:lstStyle/>
+          <a:p>
+            <a:r>
+              <a:rPr lang="ko-KR" altLang="en-US" sz="1100" dirty="0" err="1"/>
+              <a:t>남여공용</a:t>
+            </a:r>
+            <a:endParaRPr lang="ko-KR" altLang="en-US" sz="1100" dirty="0"/>
+          </a:p>
+        </p:txBody>
+      </p:sp>
+      <p:graphicFrame>
+        <p:nvGraphicFramePr>
+          <p:cNvPr id="5" name="표 4">
+            <a:extLst>
+              <a:ext uri="{FF2B5EF4-FFF2-40B4-BE49-F238E27FC236}">
+                <a16:creationId xmlns:a16="http://schemas.microsoft.com/office/drawing/2014/main" id="{3298FA8F-C3E0-97DD-3470-E017E8BBBF3C}"/>
+              </a:ext>
+            </a:extLst>
+          </p:cNvPr>
+          <p:cNvGraphicFramePr>
+            <a:graphicFrameLocks noGrp="1"/>
+          </p:cNvGraphicFramePr>
+          <p:nvPr>
+            <p:extLst>
+              <p:ext uri="{D42A27DB-BD31-4B8C-83A1-F6EECF244321}">
+                <p14:modId xmlns:p14="http://schemas.microsoft.com/office/powerpoint/2010/main" val="3931662685"/>
+              </p:ext>
+            </p:extLst>
+          </p:nvPr>
+        </p:nvGraphicFramePr>
+        <p:xfrm>
+          <a:off x="5804350" y="2461980"/>
+          <a:ext cx="3357416" cy="378342"/>
+        </p:xfrm>
+        <a:graphic>
+          <a:graphicData uri="http://schemas.openxmlformats.org/drawingml/2006/table">
+            <a:tbl>
+              <a:tblPr/>
+              <a:tblGrid>
+                <a:gridCol w="1678708">
+                  <a:extLst>
+                    <a:ext uri="{9D8B030D-6E8A-4147-A177-3AD203B41FA5}">
+                      <a16:colId xmlns:a16="http://schemas.microsoft.com/office/drawing/2014/main" val="2187930540"/>
+                    </a:ext>
+                  </a:extLst>
+                </a:gridCol>
+                <a:gridCol w="1678708">
+                  <a:extLst>
+                    <a:ext uri="{9D8B030D-6E8A-4147-A177-3AD203B41FA5}">
+                      <a16:colId xmlns:a16="http://schemas.microsoft.com/office/drawing/2014/main" val="4289879545"/>
+                    </a:ext>
+                  </a:extLst>
+                </a:gridCol>
+              </a:tblGrid>
+              <a:tr h="378342">
+                <a:tc>
+                  <a:txBody>
+                    <a:bodyPr/>
+                    <a:lstStyle/>
+                    <a:p>
+                      <a:pPr algn="ctr" latinLnBrk="0"/>
+                      <a:r>
+                        <a:rPr lang="ko-KR" altLang="en-US" sz="800" dirty="0" err="1">
+                          <a:effectLst/>
+                        </a:rPr>
+                        <a:t>정왕중앙공원</a:t>
+                      </a:r>
+                      <a:endParaRPr lang="ko-KR" altLang="en-US" sz="800" dirty="0">
+                        <a:effectLst/>
+                      </a:endParaRPr>
+                    </a:p>
+                  </a:txBody>
+                  <a:tcPr marL="89877" marR="89877" marT="89877" marB="89877" anchor="ctr">
+                    <a:lnL w="9525" cap="flat" cmpd="sng" algn="ctr">
+                      <a:solidFill>
+                        <a:srgbClr val="DFDFDF"/>
+                      </a:solidFill>
+                      <a:prstDash val="solid"/>
+                      <a:round/>
+                      <a:headEnd type="none" w="med" len="med"/>
+                      <a:tailEnd type="none" w="med" len="med"/>
+                    </a:lnL>
+                    <a:lnR w="9525" cap="flat" cmpd="sng" algn="ctr">
+                      <a:solidFill>
+                        <a:srgbClr val="DFDFDF"/>
+                      </a:solidFill>
+                      <a:prstDash val="solid"/>
+                      <a:round/>
+                      <a:headEnd type="none" w="med" len="med"/>
+                      <a:tailEnd type="none" w="med" len="med"/>
+                    </a:lnR>
+                    <a:lnT>
+                      <a:noFill/>
+                    </a:lnT>
+                    <a:lnB w="9525" cap="flat" cmpd="sng" algn="ctr">
+                      <a:solidFill>
+                        <a:srgbClr val="80D8C7"/>
+                      </a:solidFill>
+                      <a:prstDash val="solid"/>
+                      <a:round/>
+                      <a:headEnd type="none" w="med" len="med"/>
+                      <a:tailEnd type="none" w="med" len="med"/>
+                    </a:lnB>
+                    <a:solidFill>
+                      <a:srgbClr val="FFFFFF"/>
+                    </a:solidFill>
+                  </a:tcPr>
+                </a:tc>
+                <a:tc>
+                  <a:txBody>
+                    <a:bodyPr/>
+                    <a:lstStyle/>
+                    <a:p>
+                      <a:pPr latinLnBrk="0"/>
+                      <a:r>
+                        <a:rPr lang="ko-KR" altLang="en-US" sz="800" dirty="0">
+                          <a:effectLst/>
+                        </a:rPr>
+                        <a:t>경기도 시흥시 </a:t>
+                      </a:r>
+                      <a:r>
+                        <a:rPr lang="ko-KR" altLang="en-US" sz="800" dirty="0" err="1">
+                          <a:effectLst/>
+                        </a:rPr>
+                        <a:t>정왕동</a:t>
+                      </a:r>
+                      <a:r>
+                        <a:rPr lang="ko-KR" altLang="en-US" sz="800" dirty="0">
+                          <a:effectLst/>
+                        </a:rPr>
+                        <a:t> </a:t>
+                      </a:r>
+                      <a:r>
+                        <a:rPr lang="en-US" altLang="ko-KR" sz="800" dirty="0">
+                          <a:effectLst/>
+                        </a:rPr>
+                        <a:t>1845-1</a:t>
+                      </a:r>
+                    </a:p>
+                  </a:txBody>
+                  <a:tcPr marL="89877" marR="89877" marT="89877" marB="89877" anchor="ctr">
+                    <a:lnL w="9525" cap="flat" cmpd="sng" algn="ctr">
+                      <a:solidFill>
+                        <a:srgbClr val="DFDFDF"/>
+                      </a:solidFill>
+                      <a:prstDash val="solid"/>
+                      <a:round/>
+                      <a:headEnd type="none" w="med" len="med"/>
+                      <a:tailEnd type="none" w="med" len="med"/>
+                    </a:lnL>
+                    <a:lnR>
+                      <a:noFill/>
+                    </a:lnR>
+                    <a:lnT>
+                      <a:noFill/>
+                    </a:lnT>
+                    <a:lnB w="9525" cap="flat" cmpd="sng" algn="ctr">
+                      <a:solidFill>
+                        <a:srgbClr val="00D6C7"/>
+                      </a:solidFill>
+                      <a:prstDash val="solid"/>
+                      <a:round/>
+                      <a:headEnd type="none" w="med" len="med"/>
+                      <a:tailEnd type="none" w="med" len="med"/>
+                    </a:lnB>
+                    <a:solidFill>
+                      <a:srgbClr val="FFFFFF"/>
+                    </a:solidFill>
+                  </a:tcPr>
+                </a:tc>
+                <a:extLst>
+                  <a:ext uri="{0D108BD9-81ED-4DB2-BD59-A6C34878D82A}">
+                    <a16:rowId xmlns:a16="http://schemas.microsoft.com/office/drawing/2014/main" val="779845081"/>
+                  </a:ext>
+                </a:extLst>
+              </a:tr>
+            </a:tbl>
+          </a:graphicData>
+        </a:graphic>
+      </p:graphicFrame>
+      <p:graphicFrame>
+        <p:nvGraphicFramePr>
+          <p:cNvPr id="42" name="표 41">
+            <a:extLst>
+              <a:ext uri="{FF2B5EF4-FFF2-40B4-BE49-F238E27FC236}">
+                <a16:creationId xmlns:a16="http://schemas.microsoft.com/office/drawing/2014/main" id="{95874771-26F2-5F13-FBD7-ADEBEF14BBF8}"/>
+              </a:ext>
+            </a:extLst>
+          </p:cNvPr>
+          <p:cNvGraphicFramePr>
+            <a:graphicFrameLocks noGrp="1"/>
+          </p:cNvGraphicFramePr>
+          <p:nvPr>
+            <p:extLst>
+              <p:ext uri="{D42A27DB-BD31-4B8C-83A1-F6EECF244321}">
+                <p14:modId xmlns:p14="http://schemas.microsoft.com/office/powerpoint/2010/main" val="1652040477"/>
+              </p:ext>
+            </p:extLst>
+          </p:nvPr>
+        </p:nvGraphicFramePr>
+        <p:xfrm>
+          <a:off x="5804350" y="2843676"/>
+          <a:ext cx="3357416" cy="378342"/>
+        </p:xfrm>
+        <a:graphic>
+          <a:graphicData uri="http://schemas.openxmlformats.org/drawingml/2006/table">
+            <a:tbl>
+              <a:tblPr/>
+              <a:tblGrid>
+                <a:gridCol w="1678708">
+                  <a:extLst>
+                    <a:ext uri="{9D8B030D-6E8A-4147-A177-3AD203B41FA5}">
+                      <a16:colId xmlns:a16="http://schemas.microsoft.com/office/drawing/2014/main" val="2187930540"/>
+                    </a:ext>
+                  </a:extLst>
+                </a:gridCol>
+                <a:gridCol w="1678708">
+                  <a:extLst>
+                    <a:ext uri="{9D8B030D-6E8A-4147-A177-3AD203B41FA5}">
+                      <a16:colId xmlns:a16="http://schemas.microsoft.com/office/drawing/2014/main" val="4289879545"/>
+                    </a:ext>
+                  </a:extLst>
+                </a:gridCol>
+              </a:tblGrid>
+              <a:tr h="378342">
+                <a:tc>
+                  <a:txBody>
+                    <a:bodyPr/>
+                    <a:lstStyle/>
+                    <a:p>
+                      <a:pPr algn="ctr" latinLnBrk="0"/>
+                      <a:r>
+                        <a:rPr lang="ko-KR" altLang="en-US" sz="800" b="0" i="0" kern="1200" dirty="0" err="1">
+                          <a:solidFill>
+                            <a:schemeClr val="tx1"/>
+                          </a:solidFill>
+                          <a:effectLst/>
+                          <a:latin typeface="+mn-lt"/>
+                          <a:ea typeface="+mn-ea"/>
+                          <a:cs typeface="+mn-cs"/>
+                        </a:rPr>
+                        <a:t>배곧생명공원</a:t>
+                      </a:r>
+                      <a:endParaRPr lang="ko-KR" altLang="en-US" sz="100" dirty="0">
+                        <a:effectLst/>
+                      </a:endParaRPr>
+                    </a:p>
+                  </a:txBody>
+                  <a:tcPr marL="89877" marR="89877" marT="89877" marB="89877" anchor="ctr">
+                    <a:lnL w="9525" cap="flat" cmpd="sng" algn="ctr">
+                      <a:solidFill>
+                        <a:srgbClr val="DFDFDF"/>
+                      </a:solidFill>
+                      <a:prstDash val="solid"/>
+                      <a:round/>
+                      <a:headEnd type="none" w="med" len="med"/>
+                      <a:tailEnd type="none" w="med" len="med"/>
+                    </a:lnL>
+                    <a:lnR w="9525" cap="flat" cmpd="sng" algn="ctr">
+                      <a:solidFill>
+                        <a:srgbClr val="DFDFDF"/>
+                      </a:solidFill>
+                      <a:prstDash val="solid"/>
+                      <a:round/>
+                      <a:headEnd type="none" w="med" len="med"/>
+                      <a:tailEnd type="none" w="med" len="med"/>
+                    </a:lnR>
+                    <a:lnT>
+                      <a:noFill/>
+                    </a:lnT>
+                    <a:lnB w="9525" cap="flat" cmpd="sng" algn="ctr">
+                      <a:solidFill>
+                        <a:srgbClr val="80D8C7"/>
+                      </a:solidFill>
+                      <a:prstDash val="solid"/>
+                      <a:round/>
+                      <a:headEnd type="none" w="med" len="med"/>
+                      <a:tailEnd type="none" w="med" len="med"/>
+                    </a:lnB>
+                    <a:solidFill>
+                      <a:srgbClr val="FFFFFF"/>
+                    </a:solidFill>
+                  </a:tcPr>
+                </a:tc>
+                <a:tc>
+                  <a:txBody>
+                    <a:bodyPr/>
+                    <a:lstStyle/>
+                    <a:p>
+                      <a:pPr latinLnBrk="0"/>
+                      <a:r>
+                        <a:rPr lang="ko-KR" altLang="en-US" sz="800" b="0" i="0" kern="1200" dirty="0">
+                          <a:solidFill>
+                            <a:schemeClr val="tx1"/>
+                          </a:solidFill>
+                          <a:effectLst/>
+                          <a:latin typeface="+mn-lt"/>
+                          <a:ea typeface="+mn-ea"/>
+                          <a:cs typeface="+mn-cs"/>
+                        </a:rPr>
+                        <a:t>경기도 시흥시 </a:t>
+                      </a:r>
+                      <a:r>
+                        <a:rPr lang="ko-KR" altLang="en-US" sz="800" b="0" i="0" kern="1200" dirty="0" err="1">
+                          <a:solidFill>
+                            <a:schemeClr val="tx1"/>
+                          </a:solidFill>
+                          <a:effectLst/>
+                          <a:latin typeface="+mn-lt"/>
+                          <a:ea typeface="+mn-ea"/>
+                          <a:cs typeface="+mn-cs"/>
+                        </a:rPr>
+                        <a:t>배곧동</a:t>
+                      </a:r>
+                      <a:r>
+                        <a:rPr lang="ko-KR" altLang="en-US" sz="800" b="0" i="0" kern="1200" dirty="0">
+                          <a:solidFill>
+                            <a:schemeClr val="tx1"/>
+                          </a:solidFill>
+                          <a:effectLst/>
+                          <a:latin typeface="+mn-lt"/>
+                          <a:ea typeface="+mn-ea"/>
+                          <a:cs typeface="+mn-cs"/>
+                        </a:rPr>
+                        <a:t> </a:t>
+                      </a:r>
+                      <a:r>
+                        <a:rPr lang="en-US" altLang="ko-KR" sz="800" b="0" i="0" kern="1200" dirty="0">
+                          <a:solidFill>
+                            <a:schemeClr val="tx1"/>
+                          </a:solidFill>
+                          <a:effectLst/>
+                          <a:latin typeface="+mn-lt"/>
+                          <a:ea typeface="+mn-ea"/>
+                          <a:cs typeface="+mn-cs"/>
+                        </a:rPr>
+                        <a:t>187</a:t>
+                      </a:r>
+                      <a:endParaRPr lang="en-US" altLang="ko-KR" sz="100" dirty="0">
+                        <a:effectLst/>
+                      </a:endParaRPr>
+                    </a:p>
+                  </a:txBody>
+                  <a:tcPr marL="89877" marR="89877" marT="89877" marB="89877" anchor="ctr">
+                    <a:lnL w="9525" cap="flat" cmpd="sng" algn="ctr">
+                      <a:solidFill>
+                        <a:srgbClr val="DFDFDF"/>
+                      </a:solidFill>
+                      <a:prstDash val="solid"/>
+                      <a:round/>
+                      <a:headEnd type="none" w="med" len="med"/>
+                      <a:tailEnd type="none" w="med" len="med"/>
+                    </a:lnL>
+                    <a:lnR>
+                      <a:noFill/>
+                    </a:lnR>
+                    <a:lnT>
+                      <a:noFill/>
+                    </a:lnT>
+                    <a:lnB w="9525" cap="flat" cmpd="sng" algn="ctr">
+                      <a:solidFill>
+                        <a:srgbClr val="00D6C7"/>
+                      </a:solidFill>
+                      <a:prstDash val="solid"/>
+                      <a:round/>
+                      <a:headEnd type="none" w="med" len="med"/>
+                      <a:tailEnd type="none" w="med" len="med"/>
+                    </a:lnB>
+                    <a:solidFill>
+                      <a:srgbClr val="FFFFFF"/>
+                    </a:solidFill>
+                  </a:tcPr>
+                </a:tc>
+                <a:extLst>
+                  <a:ext uri="{0D108BD9-81ED-4DB2-BD59-A6C34878D82A}">
+                    <a16:rowId xmlns:a16="http://schemas.microsoft.com/office/drawing/2014/main" val="779845081"/>
+                  </a:ext>
+                </a:extLst>
+              </a:tr>
+            </a:tbl>
+          </a:graphicData>
+        </a:graphic>
+      </p:graphicFrame>
+      <p:sp>
+        <p:nvSpPr>
+          <p:cNvPr id="44" name="직사각형 43">
+            <a:extLst>
+              <a:ext uri="{FF2B5EF4-FFF2-40B4-BE49-F238E27FC236}">
+                <a16:creationId xmlns:a16="http://schemas.microsoft.com/office/drawing/2014/main" id="{19D71E3D-053C-618D-94F2-85B6460A5128}"/>
+              </a:ext>
+            </a:extLst>
+          </p:cNvPr>
+          <p:cNvSpPr/>
+          <p:nvPr/>
+        </p:nvSpPr>
+        <p:spPr>
+          <a:xfrm>
+            <a:off x="8869606" y="1196803"/>
+            <a:ext cx="241752" cy="261611"/>
+          </a:xfrm>
+          <a:prstGeom prst="rect">
+            <a:avLst/>
+          </a:prstGeom>
+        </p:spPr>
+        <p:style>
+          <a:lnRef idx="2">
+            <a:schemeClr val="accent1">
+              <a:shade val="50000"/>
+            </a:schemeClr>
+          </a:lnRef>
+          <a:fillRef idx="1">
+            <a:schemeClr val="accent1"/>
+          </a:fillRef>
+          <a:effectRef idx="0">
+            <a:schemeClr val="accent1"/>
+          </a:effectRef>
+          <a:fontRef idx="minor">
+            <a:schemeClr val="lt1"/>
+          </a:fontRef>
+        </p:style>
+        <p:txBody>
+          <a:bodyPr rtlCol="0" anchor="ctr"/>
+          <a:lstStyle/>
+          <a:p>
+            <a:r>
+              <a:rPr lang="ko-KR" altLang="en-US" sz="1600" dirty="0">
+                <a:solidFill>
+                  <a:schemeClr val="bg1"/>
+                </a:solidFill>
+                <a:latin typeface="210 골목길 L" panose="02020603020101020101" pitchFamily="18" charset="-127"/>
+                <a:ea typeface="210 골목길 L" panose="02020603020101020101" pitchFamily="18" charset="-127"/>
+              </a:rPr>
+              <a:t> </a:t>
+            </a:r>
+            <a:endParaRPr lang="en-US" altLang="ko-KR" sz="1600" dirty="0">
+              <a:solidFill>
+                <a:schemeClr val="bg1"/>
+              </a:solidFill>
+              <a:latin typeface="210 골목길 L" panose="02020603020101020101" pitchFamily="18" charset="-127"/>
+              <a:ea typeface="210 골목길 L" panose="02020603020101020101" pitchFamily="18" charset="-127"/>
+            </a:endParaRPr>
+          </a:p>
+        </p:txBody>
+      </p:sp>
+      <p:sp>
+        <p:nvSpPr>
+          <p:cNvPr id="46" name="TextBox 45">
+            <a:extLst>
+              <a:ext uri="{FF2B5EF4-FFF2-40B4-BE49-F238E27FC236}">
+                <a16:creationId xmlns:a16="http://schemas.microsoft.com/office/drawing/2014/main" id="{E731460A-7C91-36F2-D7D3-F5B057656979}"/>
+              </a:ext>
+            </a:extLst>
+          </p:cNvPr>
+          <p:cNvSpPr txBox="1"/>
+          <p:nvPr/>
+        </p:nvSpPr>
+        <p:spPr>
+          <a:xfrm>
+            <a:off x="8022361" y="1196803"/>
+            <a:ext cx="903508" cy="261610"/>
+          </a:xfrm>
+          <a:prstGeom prst="rect">
+            <a:avLst/>
+          </a:prstGeom>
+          <a:noFill/>
+        </p:spPr>
+        <p:txBody>
+          <a:bodyPr wrap="square" rtlCol="0">
+            <a:spAutoFit/>
+          </a:bodyPr>
+          <a:lstStyle/>
+          <a:p>
+            <a:r>
+              <a:rPr lang="ko-KR" altLang="en-US" sz="1100" dirty="0"/>
+              <a:t>수세식</a:t>
+            </a:r>
+          </a:p>
+        </p:txBody>
+      </p:sp>
     </p:spTree>
     <p:extLst>
       <p:ext uri="{BB962C8B-B14F-4D97-AF65-F5344CB8AC3E}">
@@ -14990,7 +15257,7 @@
     <mc:Choice Requires="p14">
       <p:transition/>
     </mc:Choice>
-    <mc:Fallback xmlns="" xmlns:c="http://schemas.openxmlformats.org/drawingml/2006/chart" xmlns:dgm="http://schemas.openxmlformats.org/drawingml/2006/diagram" xmlns:dsp="http://schemas.microsoft.com/office/drawing/2008/diagram">
+    <mc:Fallback xmlns:dsp="http://schemas.microsoft.com/office/drawing/2008/diagram" xmlns:dgm="http://schemas.openxmlformats.org/drawingml/2006/diagram" xmlns:c="http://schemas.openxmlformats.org/drawingml/2006/chart" xmlns="">
       <p:transition/>
     </mc:Fallback>
   </mc:AlternateContent>
